--- a/doc/kafka.pptx
+++ b/doc/kafka.pptx
@@ -5,33 +5,34 @@
     <p:sldMasterId id="2147483666" r:id="rId1"/>
   </p:sldMasterIdLst>
   <p:notesMasterIdLst>
-    <p:notesMasterId r:id="rId26"/>
+    <p:notesMasterId r:id="rId27"/>
   </p:notesMasterIdLst>
   <p:sldIdLst>
     <p:sldId id="256" r:id="rId2"/>
     <p:sldId id="310" r:id="rId3"/>
     <p:sldId id="264" r:id="rId4"/>
-    <p:sldId id="308" r:id="rId5"/>
-    <p:sldId id="309" r:id="rId6"/>
-    <p:sldId id="307" r:id="rId7"/>
-    <p:sldId id="305" r:id="rId8"/>
-    <p:sldId id="306" r:id="rId9"/>
-    <p:sldId id="266" r:id="rId10"/>
-    <p:sldId id="292" r:id="rId11"/>
-    <p:sldId id="279" r:id="rId12"/>
-    <p:sldId id="280" r:id="rId13"/>
-    <p:sldId id="296" r:id="rId14"/>
-    <p:sldId id="298" r:id="rId15"/>
-    <p:sldId id="301" r:id="rId16"/>
-    <p:sldId id="297" r:id="rId17"/>
-    <p:sldId id="295" r:id="rId18"/>
-    <p:sldId id="300" r:id="rId19"/>
-    <p:sldId id="293" r:id="rId20"/>
-    <p:sldId id="294" r:id="rId21"/>
-    <p:sldId id="275" r:id="rId22"/>
-    <p:sldId id="303" r:id="rId23"/>
-    <p:sldId id="302" r:id="rId24"/>
-    <p:sldId id="304" r:id="rId25"/>
+    <p:sldId id="309" r:id="rId5"/>
+    <p:sldId id="308" r:id="rId6"/>
+    <p:sldId id="305" r:id="rId7"/>
+    <p:sldId id="306" r:id="rId8"/>
+    <p:sldId id="311" r:id="rId9"/>
+    <p:sldId id="312" r:id="rId10"/>
+    <p:sldId id="266" r:id="rId11"/>
+    <p:sldId id="292" r:id="rId12"/>
+    <p:sldId id="279" r:id="rId13"/>
+    <p:sldId id="280" r:id="rId14"/>
+    <p:sldId id="296" r:id="rId15"/>
+    <p:sldId id="298" r:id="rId16"/>
+    <p:sldId id="301" r:id="rId17"/>
+    <p:sldId id="297" r:id="rId18"/>
+    <p:sldId id="295" r:id="rId19"/>
+    <p:sldId id="300" r:id="rId20"/>
+    <p:sldId id="293" r:id="rId21"/>
+    <p:sldId id="294" r:id="rId22"/>
+    <p:sldId id="275" r:id="rId23"/>
+    <p:sldId id="303" r:id="rId24"/>
+    <p:sldId id="302" r:id="rId25"/>
+    <p:sldId id="304" r:id="rId26"/>
   </p:sldIdLst>
   <p:sldSz cx="9144000" cy="6858000" type="screen4x3"/>
   <p:notesSz cx="6858000" cy="9144000"/>
@@ -497,7 +498,6 @@
               </a:p>
             </c:rich>
           </c:tx>
-          <c:layout/>
           <c:overlay val="0"/>
           <c:spPr>
             <a:noFill/>
@@ -631,7 +631,6 @@
               </a:p>
             </c:rich>
           </c:tx>
-          <c:layout/>
           <c:overlay val="0"/>
           <c:spPr>
             <a:noFill/>
@@ -706,7 +705,6 @@
     </c:plotArea>
     <c:legend>
       <c:legendPos val="b"/>
-      <c:layout/>
       <c:overlay val="0"/>
       <c:spPr>
         <a:noFill/>
@@ -803,7 +801,6 @@
           </a:p>
         </c:rich>
       </c:tx>
-      <c:layout/>
       <c:overlay val="0"/>
       <c:spPr>
         <a:noFill/>
@@ -1238,7 +1235,6 @@
               </a:p>
             </c:rich>
           </c:tx>
-          <c:layout/>
           <c:overlay val="0"/>
           <c:spPr>
             <a:noFill/>
@@ -1367,7 +1363,6 @@
               </a:p>
             </c:rich>
           </c:tx>
-          <c:layout/>
           <c:overlay val="0"/>
           <c:spPr>
             <a:noFill/>
@@ -1442,7 +1437,6 @@
     </c:plotArea>
     <c:legend>
       <c:legendPos val="b"/>
-      <c:layout/>
       <c:overlay val="0"/>
       <c:spPr>
         <a:noFill/>
@@ -2667,7 +2661,7 @@
           <a:p>
             <a:fld id="{9D69384C-5992-47EF-A3CE-4403F520F3B9}" type="datetimeFigureOut">
               <a:rPr lang="zh-CN" altLang="en-US" smtClean="0"/>
-              <a:t>2016/7/31</a:t>
+              <a:t>2016/8/9</a:t>
             </a:fld>
             <a:endParaRPr lang="zh-CN" altLang="en-US"/>
           </a:p>
@@ -3096,7 +3090,7 @@
           <a:p>
             <a:fld id="{62A1533C-994D-47E6-A497-E048498C9FBA}" type="slidenum">
               <a:rPr lang="zh-CN" altLang="en-US" smtClean="0"/>
-              <a:t>11</a:t>
+              <a:t>12</a:t>
             </a:fld>
             <a:endParaRPr lang="zh-CN" altLang="en-US"/>
           </a:p>
@@ -3180,7 +3174,7 @@
           <a:p>
             <a:fld id="{62A1533C-994D-47E6-A497-E048498C9FBA}" type="slidenum">
               <a:rPr lang="zh-CN" altLang="en-US" smtClean="0"/>
-              <a:t>12</a:t>
+              <a:t>13</a:t>
             </a:fld>
             <a:endParaRPr lang="zh-CN" altLang="en-US"/>
           </a:p>
@@ -3264,7 +3258,7 @@
           <a:p>
             <a:fld id="{62A1533C-994D-47E6-A497-E048498C9FBA}" type="slidenum">
               <a:rPr lang="zh-CN" altLang="en-US" smtClean="0"/>
-              <a:t>22</a:t>
+              <a:t>23</a:t>
             </a:fld>
             <a:endParaRPr lang="zh-CN" altLang="en-US"/>
           </a:p>
@@ -3517,7 +3511,7 @@
           <a:p>
             <a:fld id="{30100B02-D091-4D7E-A1B5-D665B8E8982A}" type="datetimeFigureOut">
               <a:rPr lang="zh-CN" altLang="en-US" smtClean="0"/>
-              <a:t>2016/7/31</a:t>
+              <a:t>2016/8/9</a:t>
             </a:fld>
             <a:endParaRPr lang="zh-CN" altLang="en-US"/>
           </a:p>
@@ -4138,7 +4132,7 @@
           <a:p>
             <a:fld id="{30100B02-D091-4D7E-A1B5-D665B8E8982A}" type="datetimeFigureOut">
               <a:rPr lang="zh-CN" altLang="en-US" smtClean="0"/>
-              <a:t>2016/7/31</a:t>
+              <a:t>2016/8/9</a:t>
             </a:fld>
             <a:endParaRPr lang="zh-CN" altLang="en-US"/>
           </a:p>
@@ -5112,7 +5106,7 @@
           <a:p>
             <a:r>
               <a:rPr lang="zh-CN" altLang="en-US" dirty="0" smtClean="0"/>
-              <a:t>平台架构设计</a:t>
+              <a:t>项目背景与意义</a:t>
             </a:r>
             <a:endParaRPr lang="zh-CN" altLang="en-US" dirty="0"/>
           </a:p>
@@ -5135,19 +5129,27 @@
           <a:p>
             <a:r>
               <a:rPr lang="zh-CN" altLang="en-US" dirty="0" smtClean="0"/>
-              <a:t>设计原则</a:t>
+              <a:t>时序数据特点</a:t>
             </a:r>
             <a:endParaRPr lang="en-US" altLang="zh-CN" dirty="0" smtClean="0"/>
           </a:p>
           <a:p>
             <a:pPr lvl="1"/>
             <a:r>
+              <a:rPr lang="zh-CN" altLang="en-US" dirty="0" smtClean="0"/>
+              <a:t>数据量大</a:t>
+            </a:r>
+            <a:endParaRPr lang="en-US" altLang="zh-CN" dirty="0" smtClean="0"/>
+          </a:p>
+          <a:p>
+            <a:pPr lvl="2"/>
+            <a:r>
               <a:rPr lang="zh-CN" altLang="en-US" dirty="0"/>
-              <a:t>数据</a:t>
+              <a:t>写入</a:t>
             </a:r>
             <a:r>
               <a:rPr lang="zh-CN" altLang="en-US" dirty="0" smtClean="0"/>
-              <a:t>的水平拓展需求</a:t>
+              <a:t>速度要求</a:t>
             </a:r>
             <a:endParaRPr lang="en-US" altLang="zh-CN" dirty="0" smtClean="0"/>
           </a:p>
@@ -5155,124 +5157,20 @@
             <a:pPr lvl="2"/>
             <a:r>
               <a:rPr lang="zh-CN" altLang="en-US" dirty="0"/>
-              <a:t>分布式系统</a:t>
+              <a:t>查询性能的可拓展性</a:t>
             </a:r>
             <a:endParaRPr lang="en-US" altLang="zh-CN" dirty="0" smtClean="0"/>
           </a:p>
           <a:p>
             <a:pPr lvl="1"/>
             <a:r>
-              <a:rPr lang="zh-CN" altLang="zh-CN" dirty="0" smtClean="0"/>
-              <a:t>各个节点</a:t>
-            </a:r>
-            <a:r>
-              <a:rPr lang="zh-CN" altLang="en-US" dirty="0" smtClean="0"/>
-              <a:t>的</a:t>
-            </a:r>
-            <a:r>
-              <a:rPr lang="zh-CN" altLang="zh-CN" dirty="0"/>
-              <a:t>管理和</a:t>
-            </a:r>
-            <a:r>
-              <a:rPr lang="zh-CN" altLang="zh-CN" dirty="0" smtClean="0"/>
-              <a:t>协调</a:t>
-            </a:r>
-            <a:endParaRPr lang="en-US" altLang="zh-CN" dirty="0"/>
+              <a:rPr lang="zh-CN" altLang="en-US" dirty="0"/>
+              <a:t>产生速度快</a:t>
+            </a:r>
+            <a:endParaRPr lang="en-US" altLang="zh-CN" dirty="0" smtClean="0"/>
           </a:p>
           <a:p>
             <a:pPr lvl="2"/>
-            <a:r>
-              <a:rPr lang="zh-CN" altLang="zh-CN" dirty="0" smtClean="0"/>
-              <a:t>采用</a:t>
-            </a:r>
-            <a:r>
-              <a:rPr lang="zh-CN" altLang="zh-CN" dirty="0"/>
-              <a:t>主</a:t>
-            </a:r>
-            <a:r>
-              <a:rPr lang="en-US" altLang="zh-CN" dirty="0"/>
-              <a:t>-</a:t>
-            </a:r>
-            <a:r>
-              <a:rPr lang="zh-CN" altLang="zh-CN" dirty="0"/>
-              <a:t>从</a:t>
-            </a:r>
-            <a:r>
-              <a:rPr lang="zh-CN" altLang="zh-CN" dirty="0" smtClean="0"/>
-              <a:t>分布式</a:t>
-            </a:r>
-            <a:r>
-              <a:rPr lang="zh-CN" altLang="en-US" dirty="0"/>
-              <a:t>架构</a:t>
-            </a:r>
-            <a:endParaRPr lang="en-US" altLang="zh-CN" dirty="0"/>
-          </a:p>
-          <a:p>
-            <a:pPr lvl="1"/>
-            <a:r>
-              <a:rPr lang="zh-CN" altLang="zh-CN" dirty="0" smtClean="0"/>
-              <a:t>时序</a:t>
-            </a:r>
-            <a:r>
-              <a:rPr lang="zh-CN" altLang="zh-CN" dirty="0"/>
-              <a:t>数据的数据</a:t>
-            </a:r>
-            <a:r>
-              <a:rPr lang="zh-CN" altLang="zh-CN" dirty="0" smtClean="0"/>
-              <a:t>量大</a:t>
-            </a:r>
-            <a:endParaRPr lang="en-US" altLang="zh-CN" dirty="0" smtClean="0"/>
-          </a:p>
-          <a:p>
-            <a:pPr lvl="2"/>
-            <a:r>
-              <a:rPr lang="zh-CN" altLang="zh-CN" dirty="0" smtClean="0"/>
-              <a:t>我们</a:t>
-            </a:r>
-            <a:r>
-              <a:rPr lang="zh-CN" altLang="zh-CN" dirty="0"/>
-              <a:t>为此设计一种数据包</a:t>
-            </a:r>
-            <a:r>
-              <a:rPr lang="zh-CN" altLang="zh-CN" dirty="0" smtClean="0"/>
-              <a:t>结构</a:t>
-            </a:r>
-            <a:endParaRPr lang="en-US" altLang="zh-CN" dirty="0" smtClean="0"/>
-          </a:p>
-          <a:p>
-            <a:pPr lvl="1"/>
-            <a:r>
-              <a:rPr lang="zh-CN" altLang="zh-CN" dirty="0" smtClean="0"/>
-              <a:t>时序</a:t>
-            </a:r>
-            <a:r>
-              <a:rPr lang="zh-CN" altLang="zh-CN" dirty="0"/>
-              <a:t>数据</a:t>
-            </a:r>
-            <a:r>
-              <a:rPr lang="zh-CN" altLang="zh-CN" dirty="0" smtClean="0"/>
-              <a:t>的</a:t>
-            </a:r>
-            <a:r>
-              <a:rPr lang="zh-CN" altLang="en-US" dirty="0" smtClean="0"/>
-              <a:t>产生速度快</a:t>
-            </a:r>
-            <a:endParaRPr lang="en-US" altLang="zh-CN" dirty="0"/>
-          </a:p>
-          <a:p>
-            <a:pPr lvl="2"/>
-            <a:r>
-              <a:rPr lang="zh-CN" altLang="zh-CN" dirty="0" smtClean="0"/>
-              <a:t>我们</a:t>
-            </a:r>
-            <a:r>
-              <a:rPr lang="zh-CN" altLang="zh-CN" dirty="0"/>
-              <a:t>为此设计一</a:t>
-            </a:r>
-            <a:r>
-              <a:rPr lang="zh-CN" altLang="zh-CN" dirty="0" smtClean="0"/>
-              <a:t>种</a:t>
-            </a:r>
             <a:r>
               <a:rPr lang="zh-CN" altLang="en-US" dirty="0" smtClean="0"/>
               <a:t>压缩算法</a:t>
@@ -5280,67 +5178,73 @@
             <a:endParaRPr lang="en-US" altLang="zh-CN" dirty="0" smtClean="0"/>
           </a:p>
           <a:p>
+            <a:r>
+              <a:rPr lang="zh-CN" altLang="en-US" dirty="0" smtClean="0"/>
+              <a:t>当前数据库</a:t>
+            </a:r>
+            <a:endParaRPr lang="en-US" altLang="zh-CN" dirty="0" smtClean="0"/>
+          </a:p>
+          <a:p>
             <a:pPr lvl="1"/>
             <a:r>
               <a:rPr lang="zh-CN" altLang="en-US" dirty="0" smtClean="0"/>
-              <a:t>打包带来了</a:t>
-            </a:r>
-            <a:r>
-              <a:rPr lang="zh-CN" altLang="zh-CN" dirty="0" smtClean="0"/>
-              <a:t>查询</a:t>
-            </a:r>
-            <a:r>
-              <a:rPr lang="zh-CN" altLang="zh-CN" dirty="0"/>
-              <a:t>和更新上的</a:t>
-            </a:r>
-            <a:r>
-              <a:rPr lang="zh-CN" altLang="zh-CN" dirty="0" smtClean="0"/>
-              <a:t>困难</a:t>
+              <a:t>关系型数据库：水平拓展性能较差；</a:t>
+            </a:r>
+            <a:endParaRPr lang="en-US" altLang="zh-CN" dirty="0" smtClean="0"/>
+          </a:p>
+          <a:p>
+            <a:pPr lvl="1"/>
+            <a:r>
+              <a:rPr lang="en-US" altLang="zh-CN" dirty="0" err="1" smtClean="0"/>
+              <a:t>Nosql</a:t>
+            </a:r>
+            <a:r>
+              <a:rPr lang="zh-CN" altLang="en-US" dirty="0" smtClean="0"/>
+              <a:t>数据库：现有查询过于</a:t>
+            </a:r>
+            <a:r>
+              <a:rPr lang="zh-CN" altLang="en-US" dirty="0"/>
+              <a:t>简单</a:t>
+            </a:r>
+            <a:r>
+              <a:rPr lang="zh-CN" altLang="en-US" dirty="0" smtClean="0"/>
+              <a:t>；</a:t>
+            </a:r>
+            <a:endParaRPr lang="en-US" altLang="zh-CN" dirty="0" smtClean="0"/>
+          </a:p>
+          <a:p>
+            <a:r>
+              <a:rPr lang="zh-CN" altLang="en-US" dirty="0" smtClean="0"/>
+              <a:t>实现</a:t>
+            </a:r>
+            <a:r>
+              <a:rPr lang="zh-CN" altLang="en-US" dirty="0"/>
+              <a:t>目标</a:t>
+            </a:r>
+            <a:endParaRPr lang="en-US" altLang="zh-CN" dirty="0" smtClean="0"/>
+          </a:p>
+          <a:p>
+            <a:pPr lvl="1"/>
+            <a:r>
+              <a:rPr lang="zh-CN" altLang="en-US" dirty="0" smtClean="0"/>
+              <a:t>综合</a:t>
+            </a:r>
+            <a:r>
+              <a:rPr lang="zh-CN" altLang="en-US" dirty="0"/>
+              <a:t>数据接收，压缩，导入与实时查询的一体化数据</a:t>
+            </a:r>
+            <a:r>
+              <a:rPr lang="zh-CN" altLang="en-US" dirty="0" smtClean="0"/>
+              <a:t>平台</a:t>
             </a:r>
             <a:endParaRPr lang="en-US" altLang="zh-CN" dirty="0"/>
-          </a:p>
-          <a:p>
-            <a:pPr lvl="2"/>
-            <a:r>
-              <a:rPr lang="zh-CN" altLang="en-US" dirty="0" smtClean="0"/>
-              <a:t>查询：</a:t>
-            </a:r>
-            <a:r>
-              <a:rPr lang="zh-CN" altLang="zh-CN" dirty="0" smtClean="0"/>
-              <a:t>摘要</a:t>
-            </a:r>
-            <a:r>
-              <a:rPr lang="zh-CN" altLang="zh-CN" dirty="0"/>
-              <a:t>信息</a:t>
-            </a:r>
-            <a:r>
-              <a:rPr lang="zh-CN" altLang="zh-CN" dirty="0" smtClean="0"/>
-              <a:t>索引</a:t>
-            </a:r>
-            <a:endParaRPr lang="en-US" altLang="zh-CN" dirty="0" smtClean="0"/>
-          </a:p>
-          <a:p>
-            <a:pPr lvl="2"/>
-            <a:r>
-              <a:rPr lang="zh-CN" altLang="en-US" dirty="0" smtClean="0"/>
-              <a:t>更新：</a:t>
-            </a:r>
-            <a:r>
-              <a:rPr lang="en-US" altLang="zh-CN" dirty="0"/>
-              <a:t>overflow</a:t>
-            </a:r>
-            <a:r>
-              <a:rPr lang="zh-CN" altLang="zh-CN" dirty="0" smtClean="0"/>
-              <a:t>表索引</a:t>
-            </a:r>
-            <a:endParaRPr lang="en-US" altLang="zh-CN" dirty="0" smtClean="0"/>
           </a:p>
         </p:txBody>
       </p:sp>
     </p:spTree>
     <p:extLst>
       <p:ext uri="{BB962C8B-B14F-4D97-AF65-F5344CB8AC3E}">
-        <p14:creationId xmlns:p14="http://schemas.microsoft.com/office/powerpoint/2010/main" val="1267674017"/>
+        <p14:creationId xmlns:p14="http://schemas.microsoft.com/office/powerpoint/2010/main" val="3091714955"/>
       </p:ext>
     </p:extLst>
   </p:cSld>
@@ -5376,6 +5280,285 @@
       </p:grpSpPr>
       <p:sp>
         <p:nvSpPr>
+          <p:cNvPr id="2" name="标题 1"/>
+          <p:cNvSpPr>
+            <a:spLocks noGrp="1"/>
+          </p:cNvSpPr>
+          <p:nvPr>
+            <p:ph type="title"/>
+          </p:nvPr>
+        </p:nvSpPr>
+        <p:spPr/>
+        <p:txBody>
+          <a:bodyPr/>
+          <a:lstStyle/>
+          <a:p>
+            <a:r>
+              <a:rPr lang="zh-CN" altLang="en-US" dirty="0" smtClean="0"/>
+              <a:t>平台架构设计</a:t>
+            </a:r>
+            <a:endParaRPr lang="zh-CN" altLang="en-US" dirty="0"/>
+          </a:p>
+        </p:txBody>
+      </p:sp>
+      <p:sp>
+        <p:nvSpPr>
+          <p:cNvPr id="3" name="内容占位符 2"/>
+          <p:cNvSpPr>
+            <a:spLocks noGrp="1"/>
+          </p:cNvSpPr>
+          <p:nvPr>
+            <p:ph idx="1"/>
+          </p:nvPr>
+        </p:nvSpPr>
+        <p:spPr/>
+        <p:txBody>
+          <a:bodyPr/>
+          <a:lstStyle/>
+          <a:p>
+            <a:r>
+              <a:rPr lang="zh-CN" altLang="en-US" dirty="0" smtClean="0"/>
+              <a:t>设计原则</a:t>
+            </a:r>
+            <a:endParaRPr lang="en-US" altLang="zh-CN" dirty="0" smtClean="0"/>
+          </a:p>
+          <a:p>
+            <a:pPr lvl="1"/>
+            <a:r>
+              <a:rPr lang="zh-CN" altLang="en-US" dirty="0"/>
+              <a:t>数据</a:t>
+            </a:r>
+            <a:r>
+              <a:rPr lang="zh-CN" altLang="en-US" dirty="0" smtClean="0"/>
+              <a:t>的水平拓展需求</a:t>
+            </a:r>
+            <a:endParaRPr lang="en-US" altLang="zh-CN" dirty="0" smtClean="0"/>
+          </a:p>
+          <a:p>
+            <a:pPr lvl="2"/>
+            <a:r>
+              <a:rPr lang="zh-CN" altLang="en-US" dirty="0"/>
+              <a:t>分布式系统</a:t>
+            </a:r>
+            <a:endParaRPr lang="en-US" altLang="zh-CN" dirty="0" smtClean="0"/>
+          </a:p>
+          <a:p>
+            <a:pPr lvl="1"/>
+            <a:r>
+              <a:rPr lang="zh-CN" altLang="zh-CN" dirty="0" smtClean="0"/>
+              <a:t>各个节点</a:t>
+            </a:r>
+            <a:r>
+              <a:rPr lang="zh-CN" altLang="en-US" dirty="0" smtClean="0"/>
+              <a:t>的</a:t>
+            </a:r>
+            <a:r>
+              <a:rPr lang="zh-CN" altLang="zh-CN" dirty="0"/>
+              <a:t>管理和</a:t>
+            </a:r>
+            <a:r>
+              <a:rPr lang="zh-CN" altLang="zh-CN" dirty="0" smtClean="0"/>
+              <a:t>协调</a:t>
+            </a:r>
+            <a:endParaRPr lang="en-US" altLang="zh-CN" dirty="0"/>
+          </a:p>
+          <a:p>
+            <a:pPr lvl="2"/>
+            <a:r>
+              <a:rPr lang="zh-CN" altLang="zh-CN" dirty="0" smtClean="0"/>
+              <a:t>采用</a:t>
+            </a:r>
+            <a:r>
+              <a:rPr lang="zh-CN" altLang="zh-CN" dirty="0"/>
+              <a:t>主</a:t>
+            </a:r>
+            <a:r>
+              <a:rPr lang="en-US" altLang="zh-CN" dirty="0"/>
+              <a:t>-</a:t>
+            </a:r>
+            <a:r>
+              <a:rPr lang="zh-CN" altLang="zh-CN" dirty="0"/>
+              <a:t>从</a:t>
+            </a:r>
+            <a:r>
+              <a:rPr lang="zh-CN" altLang="zh-CN" dirty="0" smtClean="0"/>
+              <a:t>分布式</a:t>
+            </a:r>
+            <a:r>
+              <a:rPr lang="zh-CN" altLang="en-US" dirty="0"/>
+              <a:t>架构</a:t>
+            </a:r>
+            <a:endParaRPr lang="en-US" altLang="zh-CN" dirty="0"/>
+          </a:p>
+          <a:p>
+            <a:pPr lvl="1"/>
+            <a:r>
+              <a:rPr lang="zh-CN" altLang="zh-CN" dirty="0" smtClean="0"/>
+              <a:t>时序</a:t>
+            </a:r>
+            <a:r>
+              <a:rPr lang="zh-CN" altLang="zh-CN" dirty="0"/>
+              <a:t>数据的数据</a:t>
+            </a:r>
+            <a:r>
+              <a:rPr lang="zh-CN" altLang="zh-CN" dirty="0" smtClean="0"/>
+              <a:t>量大</a:t>
+            </a:r>
+            <a:endParaRPr lang="en-US" altLang="zh-CN" dirty="0" smtClean="0"/>
+          </a:p>
+          <a:p>
+            <a:pPr lvl="2"/>
+            <a:r>
+              <a:rPr lang="zh-CN" altLang="zh-CN" dirty="0" smtClean="0"/>
+              <a:t>我们</a:t>
+            </a:r>
+            <a:r>
+              <a:rPr lang="zh-CN" altLang="zh-CN" dirty="0"/>
+              <a:t>为此设计一种数据包</a:t>
+            </a:r>
+            <a:r>
+              <a:rPr lang="zh-CN" altLang="zh-CN" dirty="0" smtClean="0"/>
+              <a:t>结构</a:t>
+            </a:r>
+            <a:endParaRPr lang="en-US" altLang="zh-CN" dirty="0" smtClean="0"/>
+          </a:p>
+          <a:p>
+            <a:pPr lvl="1"/>
+            <a:r>
+              <a:rPr lang="zh-CN" altLang="zh-CN" dirty="0" smtClean="0"/>
+              <a:t>时序</a:t>
+            </a:r>
+            <a:r>
+              <a:rPr lang="zh-CN" altLang="zh-CN" dirty="0"/>
+              <a:t>数据</a:t>
+            </a:r>
+            <a:r>
+              <a:rPr lang="zh-CN" altLang="zh-CN" dirty="0" smtClean="0"/>
+              <a:t>的</a:t>
+            </a:r>
+            <a:r>
+              <a:rPr lang="zh-CN" altLang="en-US" dirty="0" smtClean="0"/>
+              <a:t>产生速度快</a:t>
+            </a:r>
+            <a:endParaRPr lang="en-US" altLang="zh-CN" dirty="0"/>
+          </a:p>
+          <a:p>
+            <a:pPr lvl="2"/>
+            <a:r>
+              <a:rPr lang="zh-CN" altLang="zh-CN" dirty="0" smtClean="0"/>
+              <a:t>我们</a:t>
+            </a:r>
+            <a:r>
+              <a:rPr lang="zh-CN" altLang="zh-CN" dirty="0"/>
+              <a:t>为此设计一</a:t>
+            </a:r>
+            <a:r>
+              <a:rPr lang="zh-CN" altLang="zh-CN" dirty="0" smtClean="0"/>
+              <a:t>种</a:t>
+            </a:r>
+            <a:r>
+              <a:rPr lang="zh-CN" altLang="en-US" dirty="0" smtClean="0"/>
+              <a:t>压缩算法</a:t>
+            </a:r>
+            <a:endParaRPr lang="en-US" altLang="zh-CN" dirty="0" smtClean="0"/>
+          </a:p>
+          <a:p>
+            <a:pPr lvl="1"/>
+            <a:r>
+              <a:rPr lang="zh-CN" altLang="en-US" dirty="0" smtClean="0"/>
+              <a:t>打包带来了</a:t>
+            </a:r>
+            <a:r>
+              <a:rPr lang="zh-CN" altLang="zh-CN" dirty="0" smtClean="0"/>
+              <a:t>查询</a:t>
+            </a:r>
+            <a:r>
+              <a:rPr lang="zh-CN" altLang="zh-CN" dirty="0"/>
+              <a:t>和更新上的</a:t>
+            </a:r>
+            <a:r>
+              <a:rPr lang="zh-CN" altLang="zh-CN" dirty="0" smtClean="0"/>
+              <a:t>困难</a:t>
+            </a:r>
+            <a:endParaRPr lang="en-US" altLang="zh-CN" dirty="0"/>
+          </a:p>
+          <a:p>
+            <a:pPr lvl="2"/>
+            <a:r>
+              <a:rPr lang="zh-CN" altLang="en-US" dirty="0" smtClean="0"/>
+              <a:t>查询：</a:t>
+            </a:r>
+            <a:r>
+              <a:rPr lang="zh-CN" altLang="zh-CN" dirty="0" smtClean="0"/>
+              <a:t>摘要</a:t>
+            </a:r>
+            <a:r>
+              <a:rPr lang="zh-CN" altLang="zh-CN" dirty="0"/>
+              <a:t>信息</a:t>
+            </a:r>
+            <a:r>
+              <a:rPr lang="zh-CN" altLang="zh-CN" dirty="0" smtClean="0"/>
+              <a:t>索引</a:t>
+            </a:r>
+            <a:endParaRPr lang="en-US" altLang="zh-CN" dirty="0" smtClean="0"/>
+          </a:p>
+          <a:p>
+            <a:pPr lvl="2"/>
+            <a:r>
+              <a:rPr lang="zh-CN" altLang="en-US" dirty="0" smtClean="0"/>
+              <a:t>更新：</a:t>
+            </a:r>
+            <a:r>
+              <a:rPr lang="en-US" altLang="zh-CN" dirty="0"/>
+              <a:t>overflow</a:t>
+            </a:r>
+            <a:r>
+              <a:rPr lang="zh-CN" altLang="zh-CN" dirty="0" smtClean="0"/>
+              <a:t>表索引</a:t>
+            </a:r>
+            <a:endParaRPr lang="en-US" altLang="zh-CN" dirty="0" smtClean="0"/>
+          </a:p>
+        </p:txBody>
+      </p:sp>
+    </p:spTree>
+    <p:extLst>
+      <p:ext uri="{BB962C8B-B14F-4D97-AF65-F5344CB8AC3E}">
+        <p14:creationId xmlns:p14="http://schemas.microsoft.com/office/powerpoint/2010/main" val="1267674017"/>
+      </p:ext>
+    </p:extLst>
+  </p:cSld>
+  <p:clrMapOvr>
+    <a:masterClrMapping/>
+  </p:clrMapOvr>
+  <p:timing>
+    <p:tnLst>
+      <p:par>
+        <p:cTn id="1" dur="indefinite" restart="never" nodeType="tmRoot"/>
+      </p:par>
+    </p:tnLst>
+  </p:timing>
+</p:sld>
+</file>
+
+<file path=ppt/slides/slide12.xml><?xml version="1.0" encoding="utf-8"?>
+<p:sld xmlns:a="http://schemas.openxmlformats.org/drawingml/2006/main" xmlns:r="http://schemas.openxmlformats.org/officeDocument/2006/relationships" xmlns:p="http://schemas.openxmlformats.org/presentationml/2006/main">
+  <p:cSld>
+    <p:spTree>
+      <p:nvGrpSpPr>
+        <p:cNvPr id="1" name=""/>
+        <p:cNvGrpSpPr/>
+        <p:nvPr/>
+      </p:nvGrpSpPr>
+      <p:grpSpPr>
+        <a:xfrm>
+          <a:off x="0" y="0"/>
+          <a:ext cx="0" cy="0"/>
+          <a:chOff x="0" y="0"/>
+          <a:chExt cx="0" cy="0"/>
+        </a:xfrm>
+      </p:grpSpPr>
+      <p:sp>
+        <p:nvSpPr>
           <p:cNvPr id="3" name="内容占位符 2"/>
           <p:cNvSpPr>
             <a:spLocks noGrp="1"/>
@@ -5419,7 +5602,7 @@
           <a:graphicData uri="http://schemas.openxmlformats.org/presentationml/2006/ole">
             <mc:AlternateContent xmlns:mc="http://schemas.openxmlformats.org/markup-compatibility/2006">
               <mc:Choice xmlns:v="urn:schemas-microsoft-com:vml" Requires="v">
-                <p:oleObj spid="_x0000_s2083" name="Visio" r:id="rId4" imgW="6372224" imgH="4295723" progId="Visio.Drawing.15">
+                <p:oleObj spid="_x0000_s2088" name="Visio" r:id="rId4" imgW="6372224" imgH="4295723" progId="Visio.Drawing.15">
                   <p:embed/>
                 </p:oleObj>
               </mc:Choice>
@@ -6336,7 +6519,7 @@
 </p:sld>
 </file>
 
-<file path=ppt/slides/slide12.xml><?xml version="1.0" encoding="utf-8"?>
+<file path=ppt/slides/slide13.xml><?xml version="1.0" encoding="utf-8"?>
 <p:sld xmlns:a="http://schemas.openxmlformats.org/drawingml/2006/main" xmlns:r="http://schemas.openxmlformats.org/officeDocument/2006/relationships" xmlns:p="http://schemas.openxmlformats.org/presentationml/2006/main">
   <p:cSld>
     <p:spTree>
@@ -6427,7 +6610,7 @@
           <a:graphicData uri="http://schemas.openxmlformats.org/presentationml/2006/ole">
             <mc:AlternateContent xmlns:mc="http://schemas.openxmlformats.org/markup-compatibility/2006">
               <mc:Choice xmlns:v="urn:schemas-microsoft-com:vml" Requires="v">
-                <p:oleObj spid="_x0000_s3106" name="Visio" r:id="rId4" imgW="6648374" imgH="4457683" progId="Visio.Drawing.15">
+                <p:oleObj spid="_x0000_s3111" name="Visio" r:id="rId4" imgW="6648374" imgH="4457683" progId="Visio.Drawing.15">
                   <p:embed/>
                 </p:oleObj>
               </mc:Choice>
@@ -6482,7 +6665,7 @@
 </p:sld>
 </file>
 
-<file path=ppt/slides/slide13.xml><?xml version="1.0" encoding="utf-8"?>
+<file path=ppt/slides/slide14.xml><?xml version="1.0" encoding="utf-8"?>
 <p:sld xmlns:a="http://schemas.openxmlformats.org/drawingml/2006/main" xmlns:r="http://schemas.openxmlformats.org/officeDocument/2006/relationships" xmlns:p="http://schemas.openxmlformats.org/presentationml/2006/main">
   <p:cSld>
     <p:spTree>
@@ -8226,7 +8409,7 @@
 </p:sld>
 </file>
 
-<file path=ppt/slides/slide14.xml><?xml version="1.0" encoding="utf-8"?>
+<file path=ppt/slides/slide15.xml><?xml version="1.0" encoding="utf-8"?>
 <p:sld xmlns:a="http://schemas.openxmlformats.org/drawingml/2006/main" xmlns:r="http://schemas.openxmlformats.org/officeDocument/2006/relationships" xmlns:p="http://schemas.openxmlformats.org/presentationml/2006/main">
   <p:cSld>
     <p:spTree>
@@ -8432,7 +8615,7 @@
 </p:sld>
 </file>
 
-<file path=ppt/slides/slide15.xml><?xml version="1.0" encoding="utf-8"?>
+<file path=ppt/slides/slide16.xml><?xml version="1.0" encoding="utf-8"?>
 <p:sld xmlns:a="http://schemas.openxmlformats.org/drawingml/2006/main" xmlns:r="http://schemas.openxmlformats.org/officeDocument/2006/relationships" xmlns:p="http://schemas.openxmlformats.org/presentationml/2006/main">
   <p:cSld>
     <p:spTree>
@@ -9097,7 +9280,7 @@
 </p:sld>
 </file>
 
-<file path=ppt/slides/slide16.xml><?xml version="1.0" encoding="utf-8"?>
+<file path=ppt/slides/slide17.xml><?xml version="1.0" encoding="utf-8"?>
 <p:sld xmlns:a="http://schemas.openxmlformats.org/drawingml/2006/main" xmlns:r="http://schemas.openxmlformats.org/officeDocument/2006/relationships" xmlns:p="http://schemas.openxmlformats.org/presentationml/2006/main">
   <p:cSld>
     <p:spTree>
@@ -9204,7 +9387,7 @@
           <a:graphicData uri="http://schemas.openxmlformats.org/presentationml/2006/ole">
             <mc:AlternateContent xmlns:mc="http://schemas.openxmlformats.org/markup-compatibility/2006">
               <mc:Choice xmlns:v="urn:schemas-microsoft-com:vml" Requires="v">
-                <p:oleObj spid="_x0000_s4130" name="Visio" r:id="rId3" imgW="9096467" imgH="3495640" progId="Visio.Drawing.15">
+                <p:oleObj spid="_x0000_s4135" name="Visio" r:id="rId3" imgW="9096467" imgH="3495640" progId="Visio.Drawing.15">
                   <p:embed/>
                 </p:oleObj>
               </mc:Choice>
@@ -9259,123 +9442,6 @@
 </p:sld>
 </file>
 
-<file path=ppt/slides/slide17.xml><?xml version="1.0" encoding="utf-8"?>
-<p:sld xmlns:a="http://schemas.openxmlformats.org/drawingml/2006/main" xmlns:r="http://schemas.openxmlformats.org/officeDocument/2006/relationships" xmlns:p="http://schemas.openxmlformats.org/presentationml/2006/main">
-  <p:cSld>
-    <p:spTree>
-      <p:nvGrpSpPr>
-        <p:cNvPr id="1" name=""/>
-        <p:cNvGrpSpPr/>
-        <p:nvPr/>
-      </p:nvGrpSpPr>
-      <p:grpSpPr>
-        <a:xfrm>
-          <a:off x="0" y="0"/>
-          <a:ext cx="0" cy="0"/>
-          <a:chOff x="0" y="0"/>
-          <a:chExt cx="0" cy="0"/>
-        </a:xfrm>
-      </p:grpSpPr>
-      <p:sp>
-        <p:nvSpPr>
-          <p:cNvPr id="2" name="标题 1"/>
-          <p:cNvSpPr>
-            <a:spLocks noGrp="1"/>
-          </p:cNvSpPr>
-          <p:nvPr>
-            <p:ph type="title"/>
-          </p:nvPr>
-        </p:nvSpPr>
-        <p:spPr/>
-        <p:txBody>
-          <a:bodyPr/>
-          <a:lstStyle/>
-          <a:p>
-            <a:r>
-              <a:rPr lang="zh-CN" altLang="en-US" dirty="0" smtClean="0"/>
-              <a:t>实验验证</a:t>
-            </a:r>
-            <a:endParaRPr lang="zh-CN" altLang="en-US" dirty="0"/>
-          </a:p>
-        </p:txBody>
-      </p:sp>
-      <p:sp>
-        <p:nvSpPr>
-          <p:cNvPr id="3" name="内容占位符 2"/>
-          <p:cNvSpPr>
-            <a:spLocks noGrp="1"/>
-          </p:cNvSpPr>
-          <p:nvPr>
-            <p:ph idx="1"/>
-          </p:nvPr>
-        </p:nvSpPr>
-        <p:spPr/>
-        <p:txBody>
-          <a:bodyPr/>
-          <a:lstStyle/>
-          <a:p>
-            <a:r>
-              <a:rPr lang="zh-CN" altLang="en-US" dirty="0" smtClean="0"/>
-              <a:t>各种查询的性能实验</a:t>
-            </a:r>
-            <a:endParaRPr lang="en-US" altLang="zh-CN" dirty="0" smtClean="0"/>
-          </a:p>
-          <a:p>
-            <a:pPr lvl="1"/>
-            <a:r>
-              <a:rPr lang="zh-CN" altLang="en-US" dirty="0"/>
-              <a:t>各种</a:t>
-            </a:r>
-            <a:r>
-              <a:rPr lang="zh-CN" altLang="en-US" dirty="0" smtClean="0"/>
-              <a:t>查询的性能不随着已有数据量的增大而递减</a:t>
-            </a:r>
-            <a:endParaRPr lang="zh-CN" altLang="en-US" dirty="0"/>
-          </a:p>
-        </p:txBody>
-      </p:sp>
-      <p:graphicFrame>
-        <p:nvGraphicFramePr>
-          <p:cNvPr id="4" name="图表 3"/>
-          <p:cNvGraphicFramePr/>
-          <p:nvPr>
-            <p:extLst>
-              <p:ext uri="{D42A27DB-BD31-4B8C-83A1-F6EECF244321}">
-                <p14:modId xmlns:p14="http://schemas.microsoft.com/office/powerpoint/2010/main" val="1035153055"/>
-              </p:ext>
-            </p:extLst>
-          </p:nvPr>
-        </p:nvGraphicFramePr>
-        <p:xfrm>
-          <a:off x="1474379" y="2340613"/>
-          <a:ext cx="6189164" cy="3421557"/>
-        </p:xfrm>
-        <a:graphic>
-          <a:graphicData uri="http://schemas.openxmlformats.org/drawingml/2006/chart">
-            <c:chart xmlns:c="http://schemas.openxmlformats.org/drawingml/2006/chart" xmlns:r="http://schemas.openxmlformats.org/officeDocument/2006/relationships" r:id="rId2"/>
-          </a:graphicData>
-        </a:graphic>
-      </p:graphicFrame>
-    </p:spTree>
-    <p:extLst>
-      <p:ext uri="{BB962C8B-B14F-4D97-AF65-F5344CB8AC3E}">
-        <p14:creationId xmlns:p14="http://schemas.microsoft.com/office/powerpoint/2010/main" val="385992993"/>
-      </p:ext>
-    </p:extLst>
-  </p:cSld>
-  <p:clrMapOvr>
-    <a:masterClrMapping/>
-  </p:clrMapOvr>
-  <p:timing>
-    <p:tnLst>
-      <p:par>
-        <p:cTn id="1" dur="indefinite" restart="never" nodeType="tmRoot"/>
-      </p:par>
-    </p:tnLst>
-  </p:timing>
-</p:sld>
-</file>
-
 <file path=ppt/slides/slide18.xml><?xml version="1.0" encoding="utf-8"?>
 <p:sld xmlns:a="http://schemas.openxmlformats.org/drawingml/2006/main" xmlns:r="http://schemas.openxmlformats.org/officeDocument/2006/relationships" xmlns:p="http://schemas.openxmlformats.org/presentationml/2006/main">
   <p:cSld>
@@ -9432,20 +9498,20 @@
           <a:lstStyle/>
           <a:p>
             <a:r>
+              <a:rPr lang="zh-CN" altLang="en-US" dirty="0" smtClean="0"/>
+              <a:t>各种查询的性能实验</a:t>
+            </a:r>
+            <a:endParaRPr lang="en-US" altLang="zh-CN" dirty="0" smtClean="0"/>
+          </a:p>
+          <a:p>
+            <a:pPr lvl="1"/>
+            <a:r>
               <a:rPr lang="zh-CN" altLang="en-US" dirty="0"/>
-              <a:t>范围</a:t>
+              <a:t>各种</a:t>
             </a:r>
             <a:r>
               <a:rPr lang="zh-CN" altLang="en-US" dirty="0" smtClean="0"/>
-              <a:t>查询性能试验</a:t>
-            </a:r>
-            <a:endParaRPr lang="en-US" altLang="zh-CN" dirty="0" smtClean="0"/>
-          </a:p>
-          <a:p>
-            <a:pPr lvl="1"/>
-            <a:r>
-              <a:rPr lang="zh-CN" altLang="en-US" dirty="0" smtClean="0"/>
-              <a:t>随着涉及数据包数量的增多，查询耗时较好的保持了线性</a:t>
+              <a:t>查询的性能不随着已有数据量的增大而递减</a:t>
             </a:r>
             <a:endParaRPr lang="zh-CN" altLang="en-US" dirty="0"/>
           </a:p>
@@ -9458,14 +9524,14 @@
           <p:nvPr>
             <p:extLst>
               <p:ext uri="{D42A27DB-BD31-4B8C-83A1-F6EECF244321}">
-                <p14:modId xmlns:p14="http://schemas.microsoft.com/office/powerpoint/2010/main" val="1864217387"/>
+                <p14:modId xmlns:p14="http://schemas.microsoft.com/office/powerpoint/2010/main" val="1035153055"/>
               </p:ext>
             </p:extLst>
           </p:nvPr>
         </p:nvGraphicFramePr>
         <p:xfrm>
-          <a:off x="897345" y="2612572"/>
-          <a:ext cx="7187111" cy="3559493"/>
+          <a:off x="1474379" y="2340613"/>
+          <a:ext cx="6189164" cy="3421557"/>
         </p:xfrm>
         <a:graphic>
           <a:graphicData uri="http://schemas.openxmlformats.org/drawingml/2006/chart">
@@ -9476,7 +9542,7 @@
     </p:spTree>
     <p:extLst>
       <p:ext uri="{BB962C8B-B14F-4D97-AF65-F5344CB8AC3E}">
-        <p14:creationId xmlns:p14="http://schemas.microsoft.com/office/powerpoint/2010/main" val="2529373056"/>
+        <p14:creationId xmlns:p14="http://schemas.microsoft.com/office/powerpoint/2010/main" val="385992993"/>
       </p:ext>
     </p:extLst>
   </p:cSld>
@@ -9527,7 +9593,7 @@
           <a:p>
             <a:r>
               <a:rPr lang="zh-CN" altLang="en-US" dirty="0" smtClean="0"/>
-              <a:t>工作总结</a:t>
+              <a:t>实验验证</a:t>
             </a:r>
             <a:endParaRPr lang="zh-CN" altLang="en-US" dirty="0"/>
           </a:p>
@@ -9549,49 +9615,51 @@
           <a:lstStyle/>
           <a:p>
             <a:r>
+              <a:rPr lang="zh-CN" altLang="en-US" dirty="0"/>
+              <a:t>范围</a:t>
+            </a:r>
+            <a:r>
               <a:rPr lang="zh-CN" altLang="en-US" dirty="0" smtClean="0"/>
-              <a:t>设计了完整的查询引擎架构，详细考虑了系统维护、模块交流等各个方面</a:t>
+              <a:t>查询性能试验</a:t>
             </a:r>
             <a:endParaRPr lang="en-US" altLang="zh-CN" dirty="0" smtClean="0"/>
           </a:p>
           <a:p>
+            <a:pPr lvl="1"/>
             <a:r>
               <a:rPr lang="zh-CN" altLang="en-US" dirty="0" smtClean="0"/>
-              <a:t>实现了多维度的查询功能，利用索引对读写进行优化</a:t>
-            </a:r>
-            <a:endParaRPr lang="en-US" altLang="zh-CN" dirty="0" smtClean="0"/>
-          </a:p>
-          <a:p>
-            <a:r>
-              <a:rPr lang="zh-CN" altLang="en-US" dirty="0"/>
-              <a:t>设计</a:t>
-            </a:r>
-            <a:r>
-              <a:rPr lang="zh-CN" altLang="en-US" dirty="0" smtClean="0"/>
-              <a:t>了周详的通信机理与通信协议，有很好的可用性与拓展性</a:t>
-            </a:r>
-            <a:endParaRPr lang="en-US" altLang="zh-CN" dirty="0" smtClean="0"/>
-          </a:p>
-          <a:p>
-            <a:r>
-              <a:rPr lang="zh-CN" altLang="en-US" dirty="0"/>
-              <a:t>设计</a:t>
-            </a:r>
-            <a:r>
-              <a:rPr lang="zh-CN" altLang="en-US" dirty="0" smtClean="0"/>
-              <a:t>了统一的索引接口与规范化流程，方便对索引进行管理和调用</a:t>
-            </a:r>
-            <a:endParaRPr lang="en-US" altLang="zh-CN" dirty="0" smtClean="0"/>
-          </a:p>
-          <a:p>
+              <a:t>随着涉及数据包数量的增多，查询耗时较好的保持了线性</a:t>
+            </a:r>
             <a:endParaRPr lang="zh-CN" altLang="en-US" dirty="0"/>
           </a:p>
         </p:txBody>
       </p:sp>
+      <p:graphicFrame>
+        <p:nvGraphicFramePr>
+          <p:cNvPr id="4" name="图表 3"/>
+          <p:cNvGraphicFramePr/>
+          <p:nvPr>
+            <p:extLst>
+              <p:ext uri="{D42A27DB-BD31-4B8C-83A1-F6EECF244321}">
+                <p14:modId xmlns:p14="http://schemas.microsoft.com/office/powerpoint/2010/main" val="1864217387"/>
+              </p:ext>
+            </p:extLst>
+          </p:nvPr>
+        </p:nvGraphicFramePr>
+        <p:xfrm>
+          <a:off x="897345" y="2612572"/>
+          <a:ext cx="7187111" cy="3559493"/>
+        </p:xfrm>
+        <a:graphic>
+          <a:graphicData uri="http://schemas.openxmlformats.org/drawingml/2006/chart">
+            <c:chart xmlns:c="http://schemas.openxmlformats.org/drawingml/2006/chart" xmlns:r="http://schemas.openxmlformats.org/officeDocument/2006/relationships" r:id="rId2"/>
+          </a:graphicData>
+        </a:graphic>
+      </p:graphicFrame>
     </p:spTree>
     <p:extLst>
       <p:ext uri="{BB962C8B-B14F-4D97-AF65-F5344CB8AC3E}">
-        <p14:creationId xmlns:p14="http://schemas.microsoft.com/office/powerpoint/2010/main" val="3029000238"/>
+        <p14:creationId xmlns:p14="http://schemas.microsoft.com/office/powerpoint/2010/main" val="2529373056"/>
       </p:ext>
     </p:extLst>
   </p:cSld>
@@ -9627,6 +9695,148 @@
       </p:grpSpPr>
       <p:sp>
         <p:nvSpPr>
+          <p:cNvPr id="39" name="上箭头 38"/>
+          <p:cNvSpPr/>
+          <p:nvPr/>
+        </p:nvSpPr>
+        <p:spPr bwMode="auto">
+          <a:xfrm>
+            <a:off x="6687917" y="4632664"/>
+            <a:ext cx="272244" cy="522359"/>
+          </a:xfrm>
+          <a:prstGeom prst="upArrow">
+            <a:avLst/>
+          </a:prstGeom>
+          <a:ln>
+            <a:headEnd type="none" w="med" len="med"/>
+            <a:tailEnd type="none" w="med" len="med"/>
+          </a:ln>
+        </p:spPr>
+        <p:style>
+          <a:lnRef idx="2">
+            <a:schemeClr val="accent2"/>
+          </a:lnRef>
+          <a:fillRef idx="1">
+            <a:schemeClr val="lt1"/>
+          </a:fillRef>
+          <a:effectRef idx="0">
+            <a:schemeClr val="accent2"/>
+          </a:effectRef>
+          <a:fontRef idx="minor">
+            <a:schemeClr val="dk1"/>
+          </a:fontRef>
+        </p:style>
+        <p:txBody>
+          <a:bodyPr vert="horz" wrap="none" lIns="91440" tIns="45720" rIns="91440" bIns="45720" numCol="1" rtlCol="0" anchor="ctr" anchorCtr="0" compatLnSpc="1">
+            <a:prstTxWarp prst="textNoShape">
+              <a:avLst/>
+            </a:prstTxWarp>
+          </a:bodyPr>
+          <a:lstStyle/>
+          <a:p>
+            <a:pPr marL="0" marR="0" indent="0" algn="ctr" defTabSz="914400" rtl="0" eaLnBrk="1" fontAlgn="base" latinLnBrk="0" hangingPunct="1">
+              <a:lnSpc>
+                <a:spcPct val="100000"/>
+              </a:lnSpc>
+              <a:spcBef>
+                <a:spcPct val="0"/>
+              </a:spcBef>
+              <a:spcAft>
+                <a:spcPct val="0"/>
+              </a:spcAft>
+              <a:buClrTx/>
+              <a:buSzTx/>
+              <a:buFontTx/>
+              <a:buNone/>
+              <a:tabLst/>
+            </a:pPr>
+            <a:endParaRPr kumimoji="0" lang="zh-CN" altLang="en-US" sz="1800" b="0" i="0" u="none" strike="noStrike" cap="none" normalizeH="0" baseline="0" smtClean="0">
+              <a:ln>
+                <a:noFill/>
+              </a:ln>
+              <a:solidFill>
+                <a:schemeClr val="tx1"/>
+              </a:solidFill>
+              <a:effectLst/>
+              <a:latin typeface="Arial" charset="0"/>
+              <a:ea typeface="宋体" pitchFamily="2" charset="-122"/>
+            </a:endParaRPr>
+          </a:p>
+        </p:txBody>
+      </p:sp>
+      <p:sp>
+        <p:nvSpPr>
+          <p:cNvPr id="51" name="上箭头 50"/>
+          <p:cNvSpPr/>
+          <p:nvPr/>
+        </p:nvSpPr>
+        <p:spPr bwMode="auto">
+          <a:xfrm>
+            <a:off x="6640716" y="3024436"/>
+            <a:ext cx="272244" cy="522359"/>
+          </a:xfrm>
+          <a:prstGeom prst="upArrow">
+            <a:avLst/>
+          </a:prstGeom>
+          <a:ln>
+            <a:headEnd type="none" w="med" len="med"/>
+            <a:tailEnd type="none" w="med" len="med"/>
+          </a:ln>
+        </p:spPr>
+        <p:style>
+          <a:lnRef idx="2">
+            <a:schemeClr val="accent2"/>
+          </a:lnRef>
+          <a:fillRef idx="1">
+            <a:schemeClr val="lt1"/>
+          </a:fillRef>
+          <a:effectRef idx="0">
+            <a:schemeClr val="accent2"/>
+          </a:effectRef>
+          <a:fontRef idx="minor">
+            <a:schemeClr val="dk1"/>
+          </a:fontRef>
+        </p:style>
+        <p:txBody>
+          <a:bodyPr vert="horz" wrap="none" lIns="91440" tIns="45720" rIns="91440" bIns="45720" numCol="1" rtlCol="0" anchor="ctr" anchorCtr="0" compatLnSpc="1">
+            <a:prstTxWarp prst="textNoShape">
+              <a:avLst/>
+            </a:prstTxWarp>
+          </a:bodyPr>
+          <a:lstStyle/>
+          <a:p>
+            <a:pPr marL="0" marR="0" indent="0" algn="ctr" defTabSz="914400" rtl="0" eaLnBrk="1" fontAlgn="base" latinLnBrk="0" hangingPunct="1">
+              <a:lnSpc>
+                <a:spcPct val="100000"/>
+              </a:lnSpc>
+              <a:spcBef>
+                <a:spcPct val="0"/>
+              </a:spcBef>
+              <a:spcAft>
+                <a:spcPct val="0"/>
+              </a:spcAft>
+              <a:buClrTx/>
+              <a:buSzTx/>
+              <a:buFontTx/>
+              <a:buNone/>
+              <a:tabLst/>
+            </a:pPr>
+            <a:endParaRPr kumimoji="0" lang="zh-CN" altLang="en-US" sz="1800" b="0" i="0" u="none" strike="noStrike" cap="none" normalizeH="0" baseline="0" smtClean="0">
+              <a:ln>
+                <a:noFill/>
+              </a:ln>
+              <a:solidFill>
+                <a:schemeClr val="tx1"/>
+              </a:solidFill>
+              <a:effectLst/>
+              <a:latin typeface="Arial" charset="0"/>
+              <a:ea typeface="宋体" pitchFamily="2" charset="-122"/>
+            </a:endParaRPr>
+          </a:p>
+        </p:txBody>
+      </p:sp>
+      <p:sp>
+        <p:nvSpPr>
           <p:cNvPr id="2" name="标题 1"/>
           <p:cNvSpPr>
             <a:spLocks noGrp="1"/>
@@ -9672,7 +9882,7 @@
         </p:blipFill>
         <p:spPr>
           <a:xfrm>
-            <a:off x="1722128" y="3692680"/>
+            <a:off x="822692" y="3695521"/>
             <a:ext cx="632589" cy="632589"/>
           </a:xfrm>
         </p:spPr>
@@ -9846,7 +10056,7 @@
         </p:blipFill>
         <p:spPr>
           <a:xfrm>
-            <a:off x="1515876" y="4973331"/>
+            <a:off x="1319280" y="5048669"/>
             <a:ext cx="1153640" cy="937072"/>
           </a:xfrm>
           <a:prstGeom prst="rect">
@@ -9876,7 +10086,7 @@
         </p:blipFill>
         <p:spPr>
           <a:xfrm>
-            <a:off x="6049980" y="4780817"/>
+            <a:off x="6043109" y="4848326"/>
             <a:ext cx="919202" cy="1225603"/>
           </a:xfrm>
           <a:prstGeom prst="rect">
@@ -9905,7 +10115,7 @@
         </p:blipFill>
         <p:spPr bwMode="auto">
           <a:xfrm>
-            <a:off x="5070763" y="1509147"/>
+            <a:off x="5131110" y="1431031"/>
             <a:ext cx="2743199" cy="1490397"/>
           </a:xfrm>
           <a:prstGeom prst="rect">
@@ -9923,141 +10133,227 @@
           </a:extLst>
         </p:spPr>
       </p:pic>
-      <p:pic>
-        <p:nvPicPr>
-          <p:cNvPr id="9234" name="Picture 18" descr="http://spark.apache.org/images/spark-logo-trademark.png"/>
-          <p:cNvPicPr>
-            <a:picLocks noChangeAspect="1" noChangeArrowheads="1"/>
-          </p:cNvPicPr>
+      <p:grpSp>
+        <p:nvGrpSpPr>
+          <p:cNvPr id="37" name="组合 36"/>
+          <p:cNvGrpSpPr/>
           <p:nvPr/>
-        </p:nvPicPr>
-        <p:blipFill>
-          <a:blip r:embed="rId9" cstate="print">
+        </p:nvGrpSpPr>
+        <p:grpSpPr>
+          <a:xfrm>
+            <a:off x="5411615" y="3331596"/>
+            <a:ext cx="2631312" cy="1233743"/>
+            <a:chOff x="5192772" y="3265506"/>
+            <a:chExt cx="2983177" cy="1426321"/>
+          </a:xfrm>
+        </p:grpSpPr>
+        <p:sp>
+          <p:nvSpPr>
+            <p:cNvPr id="31" name="云形 30"/>
+            <p:cNvSpPr/>
+            <p:nvPr/>
+          </p:nvSpPr>
+          <p:spPr bwMode="auto">
+            <a:xfrm>
+              <a:off x="5192772" y="3265506"/>
+              <a:ext cx="2983177" cy="1426321"/>
+            </a:xfrm>
+            <a:prstGeom prst="cloud">
+              <a:avLst/>
+            </a:prstGeom>
+            <a:ln>
+              <a:headEnd type="none" w="med" len="med"/>
+              <a:tailEnd type="none" w="med" len="med"/>
+            </a:ln>
+          </p:spPr>
+          <p:style>
+            <a:lnRef idx="2">
+              <a:schemeClr val="accent1"/>
+            </a:lnRef>
+            <a:fillRef idx="1">
+              <a:schemeClr val="lt1"/>
+            </a:fillRef>
+            <a:effectRef idx="0">
+              <a:schemeClr val="accent1"/>
+            </a:effectRef>
+            <a:fontRef idx="minor">
+              <a:schemeClr val="dk1"/>
+            </a:fontRef>
+          </p:style>
+          <p:txBody>
+            <a:bodyPr vert="horz" wrap="none" lIns="91440" tIns="45720" rIns="91440" bIns="45720" numCol="1" rtlCol="0" anchor="ctr" anchorCtr="0" compatLnSpc="1">
+              <a:prstTxWarp prst="textNoShape">
+                <a:avLst/>
+              </a:prstTxWarp>
+            </a:bodyPr>
+            <a:lstStyle/>
+            <a:p>
+              <a:pPr marL="0" marR="0" indent="0" algn="ctr" defTabSz="914400" rtl="0" eaLnBrk="1" fontAlgn="base" latinLnBrk="0" hangingPunct="1">
+                <a:lnSpc>
+                  <a:spcPct val="100000"/>
+                </a:lnSpc>
+                <a:spcBef>
+                  <a:spcPct val="0"/>
+                </a:spcBef>
+                <a:spcAft>
+                  <a:spcPct val="0"/>
+                </a:spcAft>
+                <a:buClrTx/>
+                <a:buSzTx/>
+                <a:buFontTx/>
+                <a:buNone/>
+                <a:tabLst/>
+              </a:pPr>
+              <a:endParaRPr kumimoji="0" lang="zh-CN" altLang="en-US" sz="1800" b="0" i="0" u="none" strike="noStrike" cap="none" normalizeH="0" baseline="0" smtClean="0">
+                <a:ln>
+                  <a:noFill/>
+                </a:ln>
+                <a:solidFill>
+                  <a:schemeClr val="tx1"/>
+                </a:solidFill>
+                <a:effectLst/>
+                <a:latin typeface="Arial" charset="0"/>
+                <a:ea typeface="宋体" pitchFamily="2" charset="-122"/>
+              </a:endParaRPr>
+            </a:p>
+          </p:txBody>
+        </p:sp>
+        <p:pic>
+          <p:nvPicPr>
+            <p:cNvPr id="9234" name="Picture 18" descr="http://spark.apache.org/images/spark-logo-trademark.png"/>
+            <p:cNvPicPr>
+              <a:picLocks noChangeAspect="1" noChangeArrowheads="1"/>
+            </p:cNvPicPr>
+            <p:nvPr/>
+          </p:nvPicPr>
+          <p:blipFill>
+            <a:blip r:embed="rId9" cstate="print">
+              <a:extLst>
+                <a:ext uri="{28A0092B-C50C-407E-A947-70E740481C1C}">
+                  <a14:useLocalDpi xmlns:a14="http://schemas.microsoft.com/office/drawing/2010/main" val="0"/>
+                </a:ext>
+              </a:extLst>
+            </a:blip>
+            <a:srcRect/>
+            <a:stretch>
+              <a:fillRect/>
+            </a:stretch>
+          </p:blipFill>
+          <p:spPr bwMode="auto">
+            <a:xfrm>
+              <a:off x="5732149" y="3442273"/>
+              <a:ext cx="952211" cy="506495"/>
+            </a:xfrm>
+            <a:prstGeom prst="rect">
+              <a:avLst/>
+            </a:prstGeom>
+            <a:noFill/>
             <a:extLst>
-              <a:ext uri="{28A0092B-C50C-407E-A947-70E740481C1C}">
-                <a14:useLocalDpi xmlns:a14="http://schemas.microsoft.com/office/drawing/2010/main" val="0"/>
+              <a:ext uri="{909E8E84-426E-40DD-AFC4-6F175D3DCCD1}">
+                <a14:hiddenFill xmlns:a14="http://schemas.microsoft.com/office/drawing/2010/main">
+                  <a:solidFill>
+                    <a:srgbClr val="FFFFFF"/>
+                  </a:solidFill>
+                </a14:hiddenFill>
               </a:ext>
             </a:extLst>
-          </a:blip>
-          <a:srcRect/>
-          <a:stretch>
-            <a:fillRect/>
-          </a:stretch>
-        </p:blipFill>
-        <p:spPr bwMode="auto">
-          <a:xfrm>
-            <a:off x="5732150" y="3346163"/>
-            <a:ext cx="952211" cy="506495"/>
-          </a:xfrm>
-          <a:prstGeom prst="rect">
-            <a:avLst/>
-          </a:prstGeom>
-          <a:noFill/>
-          <a:extLst>
-            <a:ext uri="{909E8E84-426E-40DD-AFC4-6F175D3DCCD1}">
-              <a14:hiddenFill xmlns:a14="http://schemas.microsoft.com/office/drawing/2010/main">
-                <a:solidFill>
-                  <a:srgbClr val="FFFFFF"/>
-                </a:solidFill>
-              </a14:hiddenFill>
-            </a:ext>
-          </a:extLst>
-        </p:spPr>
-      </p:pic>
-      <p:pic>
-        <p:nvPicPr>
-          <p:cNvPr id="9236" name="Picture 20" descr="Hadoop"/>
-          <p:cNvPicPr>
-            <a:picLocks noChangeAspect="1" noChangeArrowheads="1"/>
-          </p:cNvPicPr>
-          <p:nvPr/>
-        </p:nvPicPr>
-        <p:blipFill>
-          <a:blip r:embed="rId10">
+          </p:spPr>
+        </p:pic>
+        <p:pic>
+          <p:nvPicPr>
+            <p:cNvPr id="9236" name="Picture 20" descr="Hadoop"/>
+            <p:cNvPicPr>
+              <a:picLocks noChangeAspect="1" noChangeArrowheads="1"/>
+            </p:cNvPicPr>
+            <p:nvPr/>
+          </p:nvPicPr>
+          <p:blipFill>
+            <a:blip r:embed="rId10" cstate="print">
+              <a:extLst>
+                <a:ext uri="{28A0092B-C50C-407E-A947-70E740481C1C}">
+                  <a14:useLocalDpi xmlns:a14="http://schemas.microsoft.com/office/drawing/2010/main" val="0"/>
+                </a:ext>
+              </a:extLst>
+            </a:blip>
+            <a:srcRect/>
+            <a:stretch>
+              <a:fillRect/>
+            </a:stretch>
+          </p:blipFill>
+          <p:spPr bwMode="auto">
+            <a:xfrm>
+              <a:off x="5822045" y="4067854"/>
+              <a:ext cx="1375071" cy="325434"/>
+            </a:xfrm>
+            <a:prstGeom prst="rect">
+              <a:avLst/>
+            </a:prstGeom>
+            <a:noFill/>
             <a:extLst>
-              <a:ext uri="{28A0092B-C50C-407E-A947-70E740481C1C}">
-                <a14:useLocalDpi xmlns:a14="http://schemas.microsoft.com/office/drawing/2010/main" val="0"/>
+              <a:ext uri="{909E8E84-426E-40DD-AFC4-6F175D3DCCD1}">
+                <a14:hiddenFill xmlns:a14="http://schemas.microsoft.com/office/drawing/2010/main">
+                  <a:solidFill>
+                    <a:srgbClr val="FFFFFF"/>
+                  </a:solidFill>
+                </a14:hiddenFill>
               </a:ext>
             </a:extLst>
-          </a:blip>
-          <a:srcRect/>
-          <a:stretch>
-            <a:fillRect/>
-          </a:stretch>
-        </p:blipFill>
-        <p:spPr bwMode="auto">
-          <a:xfrm>
-            <a:off x="6208255" y="4139634"/>
-            <a:ext cx="1375071" cy="325434"/>
-          </a:xfrm>
-          <a:prstGeom prst="rect">
-            <a:avLst/>
-          </a:prstGeom>
-          <a:noFill/>
-          <a:extLst>
-            <a:ext uri="{909E8E84-426E-40DD-AFC4-6F175D3DCCD1}">
-              <a14:hiddenFill xmlns:a14="http://schemas.microsoft.com/office/drawing/2010/main">
-                <a:solidFill>
-                  <a:srgbClr val="FFFFFF"/>
-                </a:solidFill>
-              </a14:hiddenFill>
-            </a:ext>
-          </a:extLst>
-        </p:spPr>
-      </p:pic>
-      <p:sp>
-        <p:nvSpPr>
-          <p:cNvPr id="32" name="矩形 31"/>
-          <p:cNvSpPr/>
-          <p:nvPr/>
-        </p:nvSpPr>
-        <p:spPr>
-          <a:xfrm>
-            <a:off x="6895790" y="3547309"/>
-            <a:ext cx="902811" cy="461665"/>
-          </a:xfrm>
-          <a:prstGeom prst="rect">
-            <a:avLst/>
-          </a:prstGeom>
-          <a:noFill/>
-        </p:spPr>
-        <p:txBody>
-          <a:bodyPr wrap="none" lIns="91440" tIns="45720" rIns="91440" bIns="45720">
-            <a:spAutoFit/>
-            <a:scene3d>
-              <a:camera prst="orthographicFront"/>
-              <a:lightRig rig="harsh" dir="t"/>
-            </a:scene3d>
-            <a:sp3d extrusionH="57150" prstMaterial="matte">
-              <a:bevelT w="63500" h="12700" prst="angle"/>
-              <a:contourClr>
-                <a:schemeClr val="bg1">
-                  <a:lumMod val="65000"/>
-                </a:schemeClr>
-              </a:contourClr>
-            </a:sp3d>
-          </a:bodyPr>
-          <a:lstStyle/>
-          <a:p>
-            <a:pPr algn="ctr"/>
-            <a:r>
-              <a:rPr lang="en-US" altLang="zh-CN" sz="2400" b="1" dirty="0" err="1" smtClean="0">
+          </p:spPr>
+        </p:pic>
+        <p:sp>
+          <p:nvSpPr>
+            <p:cNvPr id="32" name="矩形 31"/>
+            <p:cNvSpPr/>
+            <p:nvPr/>
+          </p:nvSpPr>
+          <p:spPr>
+            <a:xfrm>
+              <a:off x="6902556" y="3608005"/>
+              <a:ext cx="902811" cy="461665"/>
+            </a:xfrm>
+            <a:prstGeom prst="rect">
+              <a:avLst/>
+            </a:prstGeom>
+            <a:noFill/>
+          </p:spPr>
+          <p:txBody>
+            <a:bodyPr wrap="none" lIns="91440" tIns="45720" rIns="91440" bIns="45720">
+              <a:spAutoFit/>
+              <a:scene3d>
+                <a:camera prst="orthographicFront"/>
+                <a:lightRig rig="harsh" dir="t"/>
+              </a:scene3d>
+              <a:sp3d extrusionH="57150" prstMaterial="matte">
+                <a:bevelT w="63500" h="12700" prst="angle"/>
+                <a:contourClr>
+                  <a:schemeClr val="bg1">
+                    <a:lumMod val="65000"/>
+                  </a:schemeClr>
+                </a:contourClr>
+              </a:sp3d>
+            </a:bodyPr>
+            <a:lstStyle/>
+            <a:p>
+              <a:pPr algn="ctr"/>
+              <a:r>
+                <a:rPr lang="en-US" altLang="zh-CN" sz="2400" b="1" dirty="0" err="1" smtClean="0">
+                  <a:ln/>
+                  <a:solidFill>
+                    <a:schemeClr val="accent3"/>
+                  </a:solidFill>
+                </a:rPr>
+                <a:t>tsfile</a:t>
+              </a:r>
+              <a:endParaRPr lang="zh-CN" altLang="en-US" sz="2400" b="1" dirty="0">
                 <a:ln/>
                 <a:solidFill>
                   <a:schemeClr val="accent3"/>
                 </a:solidFill>
-              </a:rPr>
-              <a:t>tsfile</a:t>
-            </a:r>
-            <a:endParaRPr lang="zh-CN" altLang="en-US" sz="2400" b="1" dirty="0">
-              <a:ln/>
-              <a:solidFill>
-                <a:schemeClr val="accent3"/>
-              </a:solidFill>
-            </a:endParaRPr>
-          </a:p>
-        </p:txBody>
-      </p:sp>
+              </a:endParaRPr>
+            </a:p>
+          </p:txBody>
+        </p:sp>
+      </p:grpSp>
       <p:pic>
         <p:nvPicPr>
           <p:cNvPr id="9238" name="Picture 22" descr="http://kafka.apache.org/images/kafka_logo.png"/>
@@ -10185,7 +10481,7 @@
         </p:blipFill>
         <p:spPr>
           <a:xfrm>
-            <a:off x="7123725" y="4780817"/>
+            <a:off x="6960161" y="4872499"/>
             <a:ext cx="919202" cy="1225603"/>
           </a:xfrm>
           <a:prstGeom prst="rect">
@@ -10193,6 +10489,541 @@
           </a:prstGeom>
         </p:spPr>
       </p:pic>
+      <p:pic>
+        <p:nvPicPr>
+          <p:cNvPr id="20" name="内容占位符 4"/>
+          <p:cNvPicPr>
+            <a:picLocks noChangeAspect="1"/>
+          </p:cNvPicPr>
+          <p:nvPr/>
+        </p:nvPicPr>
+        <p:blipFill>
+          <a:blip r:embed="rId2" cstate="print">
+            <a:extLst>
+              <a:ext uri="{28A0092B-C50C-407E-A947-70E740481C1C}">
+                <a14:useLocalDpi xmlns:a14="http://schemas.microsoft.com/office/drawing/2010/main" val="0"/>
+              </a:ext>
+            </a:extLst>
+          </a:blip>
+          <a:stretch>
+            <a:fillRect/>
+          </a:stretch>
+        </p:blipFill>
+        <p:spPr bwMode="auto">
+          <a:xfrm>
+            <a:off x="2231611" y="3713656"/>
+            <a:ext cx="632589" cy="632589"/>
+          </a:xfrm>
+          <a:prstGeom prst="rect">
+            <a:avLst/>
+          </a:prstGeom>
+          <a:noFill/>
+          <a:ln w="9525">
+            <a:noFill/>
+            <a:miter lim="800000"/>
+            <a:headEnd/>
+            <a:tailEnd/>
+          </a:ln>
+          <a:effectLst/>
+        </p:spPr>
+      </p:pic>
+      <p:sp>
+        <p:nvSpPr>
+          <p:cNvPr id="30" name="下箭头 29"/>
+          <p:cNvSpPr/>
+          <p:nvPr/>
+        </p:nvSpPr>
+        <p:spPr bwMode="auto">
+          <a:xfrm>
+            <a:off x="1206261" y="4465068"/>
+            <a:ext cx="249020" cy="508263"/>
+          </a:xfrm>
+          <a:prstGeom prst="downArrow">
+            <a:avLst/>
+          </a:prstGeom>
+          <a:ln>
+            <a:headEnd type="none" w="med" len="med"/>
+            <a:tailEnd type="none" w="med" len="med"/>
+          </a:ln>
+        </p:spPr>
+        <p:style>
+          <a:lnRef idx="2">
+            <a:schemeClr val="accent1"/>
+          </a:lnRef>
+          <a:fillRef idx="1">
+            <a:schemeClr val="lt1"/>
+          </a:fillRef>
+          <a:effectRef idx="0">
+            <a:schemeClr val="accent1"/>
+          </a:effectRef>
+          <a:fontRef idx="minor">
+            <a:schemeClr val="dk1"/>
+          </a:fontRef>
+        </p:style>
+        <p:txBody>
+          <a:bodyPr vert="horz" wrap="none" lIns="91440" tIns="45720" rIns="91440" bIns="45720" numCol="1" rtlCol="0" anchor="ctr" anchorCtr="0" compatLnSpc="1">
+            <a:prstTxWarp prst="textNoShape">
+              <a:avLst/>
+            </a:prstTxWarp>
+          </a:bodyPr>
+          <a:lstStyle/>
+          <a:p>
+            <a:pPr marL="0" marR="0" indent="0" algn="ctr" defTabSz="914400" rtl="0" eaLnBrk="1" fontAlgn="base" latinLnBrk="0" hangingPunct="1">
+              <a:lnSpc>
+                <a:spcPct val="100000"/>
+              </a:lnSpc>
+              <a:spcBef>
+                <a:spcPct val="0"/>
+              </a:spcBef>
+              <a:spcAft>
+                <a:spcPct val="0"/>
+              </a:spcAft>
+              <a:buClrTx/>
+              <a:buSzTx/>
+              <a:buFontTx/>
+              <a:buNone/>
+              <a:tabLst/>
+            </a:pPr>
+            <a:endParaRPr kumimoji="0" lang="zh-CN" altLang="en-US" sz="1800" b="0" i="0" u="none" strike="noStrike" cap="none" normalizeH="0" baseline="0" smtClean="0">
+              <a:ln>
+                <a:noFill/>
+              </a:ln>
+              <a:solidFill>
+                <a:schemeClr val="tx1"/>
+              </a:solidFill>
+              <a:effectLst/>
+              <a:latin typeface="Arial" charset="0"/>
+              <a:ea typeface="宋体" pitchFamily="2" charset="-122"/>
+            </a:endParaRPr>
+          </a:p>
+        </p:txBody>
+      </p:sp>
+      <p:sp>
+        <p:nvSpPr>
+          <p:cNvPr id="41" name="下箭头 40"/>
+          <p:cNvSpPr/>
+          <p:nvPr/>
+        </p:nvSpPr>
+        <p:spPr bwMode="auto">
+          <a:xfrm>
+            <a:off x="1669709" y="4465067"/>
+            <a:ext cx="249020" cy="508263"/>
+          </a:xfrm>
+          <a:prstGeom prst="downArrow">
+            <a:avLst/>
+          </a:prstGeom>
+          <a:ln>
+            <a:headEnd type="none" w="med" len="med"/>
+            <a:tailEnd type="none" w="med" len="med"/>
+          </a:ln>
+        </p:spPr>
+        <p:style>
+          <a:lnRef idx="2">
+            <a:schemeClr val="accent1"/>
+          </a:lnRef>
+          <a:fillRef idx="1">
+            <a:schemeClr val="lt1"/>
+          </a:fillRef>
+          <a:effectRef idx="0">
+            <a:schemeClr val="accent1"/>
+          </a:effectRef>
+          <a:fontRef idx="minor">
+            <a:schemeClr val="dk1"/>
+          </a:fontRef>
+        </p:style>
+        <p:txBody>
+          <a:bodyPr vert="horz" wrap="none" lIns="91440" tIns="45720" rIns="91440" bIns="45720" numCol="1" rtlCol="0" anchor="ctr" anchorCtr="0" compatLnSpc="1">
+            <a:prstTxWarp prst="textNoShape">
+              <a:avLst/>
+            </a:prstTxWarp>
+          </a:bodyPr>
+          <a:lstStyle/>
+          <a:p>
+            <a:pPr marL="0" marR="0" indent="0" algn="ctr" defTabSz="914400" rtl="0" eaLnBrk="1" fontAlgn="base" latinLnBrk="0" hangingPunct="1">
+              <a:lnSpc>
+                <a:spcPct val="100000"/>
+              </a:lnSpc>
+              <a:spcBef>
+                <a:spcPct val="0"/>
+              </a:spcBef>
+              <a:spcAft>
+                <a:spcPct val="0"/>
+              </a:spcAft>
+              <a:buClrTx/>
+              <a:buSzTx/>
+              <a:buFontTx/>
+              <a:buNone/>
+              <a:tabLst/>
+            </a:pPr>
+            <a:endParaRPr kumimoji="0" lang="zh-CN" altLang="en-US" sz="1800" b="0" i="0" u="none" strike="noStrike" cap="none" normalizeH="0" baseline="0" smtClean="0">
+              <a:ln>
+                <a:noFill/>
+              </a:ln>
+              <a:solidFill>
+                <a:schemeClr val="tx1"/>
+              </a:solidFill>
+              <a:effectLst/>
+              <a:latin typeface="Arial" charset="0"/>
+              <a:ea typeface="宋体" pitchFamily="2" charset="-122"/>
+            </a:endParaRPr>
+          </a:p>
+        </p:txBody>
+      </p:sp>
+      <p:sp>
+        <p:nvSpPr>
+          <p:cNvPr id="42" name="下箭头 41"/>
+          <p:cNvSpPr/>
+          <p:nvPr/>
+        </p:nvSpPr>
+        <p:spPr bwMode="auto">
+          <a:xfrm>
+            <a:off x="2123313" y="4465066"/>
+            <a:ext cx="249020" cy="508263"/>
+          </a:xfrm>
+          <a:prstGeom prst="downArrow">
+            <a:avLst/>
+          </a:prstGeom>
+          <a:ln>
+            <a:headEnd type="none" w="med" len="med"/>
+            <a:tailEnd type="none" w="med" len="med"/>
+          </a:ln>
+        </p:spPr>
+        <p:style>
+          <a:lnRef idx="2">
+            <a:schemeClr val="accent1"/>
+          </a:lnRef>
+          <a:fillRef idx="1">
+            <a:schemeClr val="lt1"/>
+          </a:fillRef>
+          <a:effectRef idx="0">
+            <a:schemeClr val="accent1"/>
+          </a:effectRef>
+          <a:fontRef idx="minor">
+            <a:schemeClr val="dk1"/>
+          </a:fontRef>
+        </p:style>
+        <p:txBody>
+          <a:bodyPr vert="horz" wrap="none" lIns="91440" tIns="45720" rIns="91440" bIns="45720" numCol="1" rtlCol="0" anchor="ctr" anchorCtr="0" compatLnSpc="1">
+            <a:prstTxWarp prst="textNoShape">
+              <a:avLst/>
+            </a:prstTxWarp>
+          </a:bodyPr>
+          <a:lstStyle/>
+          <a:p>
+            <a:pPr marL="0" marR="0" indent="0" algn="ctr" defTabSz="914400" rtl="0" eaLnBrk="1" fontAlgn="base" latinLnBrk="0" hangingPunct="1">
+              <a:lnSpc>
+                <a:spcPct val="100000"/>
+              </a:lnSpc>
+              <a:spcBef>
+                <a:spcPct val="0"/>
+              </a:spcBef>
+              <a:spcAft>
+                <a:spcPct val="0"/>
+              </a:spcAft>
+              <a:buClrTx/>
+              <a:buSzTx/>
+              <a:buFontTx/>
+              <a:buNone/>
+              <a:tabLst/>
+            </a:pPr>
+            <a:endParaRPr kumimoji="0" lang="zh-CN" altLang="en-US" sz="1800" b="0" i="0" u="none" strike="noStrike" cap="none" normalizeH="0" baseline="0" smtClean="0">
+              <a:ln>
+                <a:noFill/>
+              </a:ln>
+              <a:solidFill>
+                <a:schemeClr val="tx1"/>
+              </a:solidFill>
+              <a:effectLst/>
+              <a:latin typeface="Arial" charset="0"/>
+              <a:ea typeface="宋体" pitchFamily="2" charset="-122"/>
+            </a:endParaRPr>
+          </a:p>
+        </p:txBody>
+      </p:sp>
+      <p:sp>
+        <p:nvSpPr>
+          <p:cNvPr id="43" name="下箭头 42"/>
+          <p:cNvSpPr/>
+          <p:nvPr/>
+        </p:nvSpPr>
+        <p:spPr bwMode="auto">
+          <a:xfrm>
+            <a:off x="1381834" y="3228746"/>
+            <a:ext cx="249020" cy="508263"/>
+          </a:xfrm>
+          <a:prstGeom prst="downArrow">
+            <a:avLst/>
+          </a:prstGeom>
+          <a:ln>
+            <a:headEnd type="none" w="med" len="med"/>
+            <a:tailEnd type="none" w="med" len="med"/>
+          </a:ln>
+        </p:spPr>
+        <p:style>
+          <a:lnRef idx="2">
+            <a:schemeClr val="accent1"/>
+          </a:lnRef>
+          <a:fillRef idx="1">
+            <a:schemeClr val="lt1"/>
+          </a:fillRef>
+          <a:effectRef idx="0">
+            <a:schemeClr val="accent1"/>
+          </a:effectRef>
+          <a:fontRef idx="minor">
+            <a:schemeClr val="dk1"/>
+          </a:fontRef>
+        </p:style>
+        <p:txBody>
+          <a:bodyPr vert="horz" wrap="none" lIns="91440" tIns="45720" rIns="91440" bIns="45720" numCol="1" rtlCol="0" anchor="ctr" anchorCtr="0" compatLnSpc="1">
+            <a:prstTxWarp prst="textNoShape">
+              <a:avLst/>
+            </a:prstTxWarp>
+          </a:bodyPr>
+          <a:lstStyle/>
+          <a:p>
+            <a:pPr marL="0" marR="0" indent="0" algn="ctr" defTabSz="914400" rtl="0" eaLnBrk="1" fontAlgn="base" latinLnBrk="0" hangingPunct="1">
+              <a:lnSpc>
+                <a:spcPct val="100000"/>
+              </a:lnSpc>
+              <a:spcBef>
+                <a:spcPct val="0"/>
+              </a:spcBef>
+              <a:spcAft>
+                <a:spcPct val="0"/>
+              </a:spcAft>
+              <a:buClrTx/>
+              <a:buSzTx/>
+              <a:buFontTx/>
+              <a:buNone/>
+              <a:tabLst/>
+            </a:pPr>
+            <a:endParaRPr kumimoji="0" lang="zh-CN" altLang="en-US" sz="1800" b="0" i="0" u="none" strike="noStrike" cap="none" normalizeH="0" baseline="0" smtClean="0">
+              <a:ln>
+                <a:noFill/>
+              </a:ln>
+              <a:solidFill>
+                <a:schemeClr val="tx1"/>
+              </a:solidFill>
+              <a:effectLst/>
+              <a:latin typeface="Arial" charset="0"/>
+              <a:ea typeface="宋体" pitchFamily="2" charset="-122"/>
+            </a:endParaRPr>
+          </a:p>
+        </p:txBody>
+      </p:sp>
+      <p:sp>
+        <p:nvSpPr>
+          <p:cNvPr id="44" name="下箭头 43"/>
+          <p:cNvSpPr/>
+          <p:nvPr/>
+        </p:nvSpPr>
+        <p:spPr bwMode="auto">
+          <a:xfrm>
+            <a:off x="1845282" y="3228745"/>
+            <a:ext cx="249020" cy="508263"/>
+          </a:xfrm>
+          <a:prstGeom prst="downArrow">
+            <a:avLst/>
+          </a:prstGeom>
+          <a:ln>
+            <a:headEnd type="none" w="med" len="med"/>
+            <a:tailEnd type="none" w="med" len="med"/>
+          </a:ln>
+        </p:spPr>
+        <p:style>
+          <a:lnRef idx="2">
+            <a:schemeClr val="accent1"/>
+          </a:lnRef>
+          <a:fillRef idx="1">
+            <a:schemeClr val="lt1"/>
+          </a:fillRef>
+          <a:effectRef idx="0">
+            <a:schemeClr val="accent1"/>
+          </a:effectRef>
+          <a:fontRef idx="minor">
+            <a:schemeClr val="dk1"/>
+          </a:fontRef>
+        </p:style>
+        <p:txBody>
+          <a:bodyPr vert="horz" wrap="none" lIns="91440" tIns="45720" rIns="91440" bIns="45720" numCol="1" rtlCol="0" anchor="ctr" anchorCtr="0" compatLnSpc="1">
+            <a:prstTxWarp prst="textNoShape">
+              <a:avLst/>
+            </a:prstTxWarp>
+          </a:bodyPr>
+          <a:lstStyle/>
+          <a:p>
+            <a:pPr marL="0" marR="0" indent="0" algn="ctr" defTabSz="914400" rtl="0" eaLnBrk="1" fontAlgn="base" latinLnBrk="0" hangingPunct="1">
+              <a:lnSpc>
+                <a:spcPct val="100000"/>
+              </a:lnSpc>
+              <a:spcBef>
+                <a:spcPct val="0"/>
+              </a:spcBef>
+              <a:spcAft>
+                <a:spcPct val="0"/>
+              </a:spcAft>
+              <a:buClrTx/>
+              <a:buSzTx/>
+              <a:buFontTx/>
+              <a:buNone/>
+              <a:tabLst/>
+            </a:pPr>
+            <a:endParaRPr kumimoji="0" lang="zh-CN" altLang="en-US" sz="1800" b="0" i="0" u="none" strike="noStrike" cap="none" normalizeH="0" baseline="0" smtClean="0">
+              <a:ln>
+                <a:noFill/>
+              </a:ln>
+              <a:solidFill>
+                <a:schemeClr val="tx1"/>
+              </a:solidFill>
+              <a:effectLst/>
+              <a:latin typeface="Arial" charset="0"/>
+              <a:ea typeface="宋体" pitchFamily="2" charset="-122"/>
+            </a:endParaRPr>
+          </a:p>
+        </p:txBody>
+      </p:sp>
+      <p:sp>
+        <p:nvSpPr>
+          <p:cNvPr id="38" name="右箭头 37"/>
+          <p:cNvSpPr/>
+          <p:nvPr/>
+        </p:nvSpPr>
+        <p:spPr bwMode="auto">
+          <a:xfrm>
+            <a:off x="4887355" y="5229748"/>
+            <a:ext cx="723569" cy="382367"/>
+          </a:xfrm>
+          <a:prstGeom prst="rightArrow">
+            <a:avLst/>
+          </a:prstGeom>
+          <a:ln>
+            <a:headEnd type="none" w="med" len="med"/>
+            <a:tailEnd type="none" w="med" len="med"/>
+          </a:ln>
+        </p:spPr>
+        <p:style>
+          <a:lnRef idx="2">
+            <a:schemeClr val="accent3"/>
+          </a:lnRef>
+          <a:fillRef idx="1">
+            <a:schemeClr val="lt1"/>
+          </a:fillRef>
+          <a:effectRef idx="0">
+            <a:schemeClr val="accent3"/>
+          </a:effectRef>
+          <a:fontRef idx="minor">
+            <a:schemeClr val="dk1"/>
+          </a:fontRef>
+        </p:style>
+        <p:txBody>
+          <a:bodyPr vert="horz" wrap="none" lIns="91440" tIns="45720" rIns="91440" bIns="45720" numCol="1" rtlCol="0" anchor="ctr" anchorCtr="0" compatLnSpc="1">
+            <a:prstTxWarp prst="textNoShape">
+              <a:avLst/>
+            </a:prstTxWarp>
+          </a:bodyPr>
+          <a:lstStyle/>
+          <a:p>
+            <a:pPr marL="0" marR="0" indent="0" algn="ctr" defTabSz="914400" rtl="0" eaLnBrk="1" fontAlgn="base" latinLnBrk="0" hangingPunct="1">
+              <a:lnSpc>
+                <a:spcPct val="100000"/>
+              </a:lnSpc>
+              <a:spcBef>
+                <a:spcPct val="0"/>
+              </a:spcBef>
+              <a:spcAft>
+                <a:spcPct val="0"/>
+              </a:spcAft>
+              <a:buClrTx/>
+              <a:buSzTx/>
+              <a:buFontTx/>
+              <a:buNone/>
+              <a:tabLst/>
+            </a:pPr>
+            <a:endParaRPr kumimoji="0" lang="zh-CN" altLang="en-US" sz="1800" b="0" i="0" u="none" strike="noStrike" cap="none" normalizeH="0" baseline="0" smtClean="0">
+              <a:ln>
+                <a:noFill/>
+              </a:ln>
+              <a:solidFill>
+                <a:schemeClr val="tx1"/>
+              </a:solidFill>
+              <a:effectLst/>
+              <a:latin typeface="Arial" charset="0"/>
+              <a:ea typeface="宋体" pitchFamily="2" charset="-122"/>
+            </a:endParaRPr>
+          </a:p>
+        </p:txBody>
+      </p:sp>
+      <p:sp>
+        <p:nvSpPr>
+          <p:cNvPr id="49" name="右箭头 48"/>
+          <p:cNvSpPr/>
+          <p:nvPr/>
+        </p:nvSpPr>
+        <p:spPr bwMode="auto">
+          <a:xfrm>
+            <a:off x="2995299" y="5229747"/>
+            <a:ext cx="723569" cy="382367"/>
+          </a:xfrm>
+          <a:prstGeom prst="rightArrow">
+            <a:avLst/>
+          </a:prstGeom>
+          <a:ln>
+            <a:headEnd type="none" w="med" len="med"/>
+            <a:tailEnd type="none" w="med" len="med"/>
+          </a:ln>
+        </p:spPr>
+        <p:style>
+          <a:lnRef idx="2">
+            <a:schemeClr val="accent3"/>
+          </a:lnRef>
+          <a:fillRef idx="1">
+            <a:schemeClr val="lt1"/>
+          </a:fillRef>
+          <a:effectRef idx="0">
+            <a:schemeClr val="accent3"/>
+          </a:effectRef>
+          <a:fontRef idx="minor">
+            <a:schemeClr val="dk1"/>
+          </a:fontRef>
+        </p:style>
+        <p:txBody>
+          <a:bodyPr vert="horz" wrap="none" lIns="91440" tIns="45720" rIns="91440" bIns="45720" numCol="1" rtlCol="0" anchor="ctr" anchorCtr="0" compatLnSpc="1">
+            <a:prstTxWarp prst="textNoShape">
+              <a:avLst/>
+            </a:prstTxWarp>
+          </a:bodyPr>
+          <a:lstStyle/>
+          <a:p>
+            <a:pPr marL="0" marR="0" indent="0" algn="ctr" defTabSz="914400" rtl="0" eaLnBrk="1" fontAlgn="base" latinLnBrk="0" hangingPunct="1">
+              <a:lnSpc>
+                <a:spcPct val="100000"/>
+              </a:lnSpc>
+              <a:spcBef>
+                <a:spcPct val="0"/>
+              </a:spcBef>
+              <a:spcAft>
+                <a:spcPct val="0"/>
+              </a:spcAft>
+              <a:buClrTx/>
+              <a:buSzTx/>
+              <a:buFontTx/>
+              <a:buNone/>
+              <a:tabLst/>
+            </a:pPr>
+            <a:endParaRPr kumimoji="0" lang="zh-CN" altLang="en-US" sz="1800" b="0" i="0" u="none" strike="noStrike" cap="none" normalizeH="0" baseline="0" smtClean="0">
+              <a:ln>
+                <a:noFill/>
+              </a:ln>
+              <a:solidFill>
+                <a:schemeClr val="tx1"/>
+              </a:solidFill>
+              <a:effectLst/>
+              <a:latin typeface="Arial" charset="0"/>
+              <a:ea typeface="宋体" pitchFamily="2" charset="-122"/>
+            </a:endParaRPr>
+          </a:p>
+        </p:txBody>
+      </p:sp>
     </p:spTree>
     <p:extLst>
       <p:ext uri="{BB962C8B-B14F-4D97-AF65-F5344CB8AC3E}">
@@ -10203,6 +11034,13 @@
   <p:clrMapOvr>
     <a:masterClrMapping/>
   </p:clrMapOvr>
+  <p:timing>
+    <p:tnLst>
+      <p:par>
+        <p:cTn id="1" dur="indefinite" restart="never" nodeType="tmRoot"/>
+      </p:par>
+    </p:tnLst>
+  </p:timing>
 </p:sld>
 </file>
 
@@ -10240,7 +11078,7 @@
           <a:p>
             <a:r>
               <a:rPr lang="zh-CN" altLang="en-US" dirty="0" smtClean="0"/>
-              <a:t>工作展望</a:t>
+              <a:t>工作总结</a:t>
             </a:r>
             <a:endParaRPr lang="zh-CN" altLang="en-US" dirty="0"/>
           </a:p>
@@ -10263,47 +11101,48 @@
           <a:p>
             <a:r>
               <a:rPr lang="zh-CN" altLang="en-US" dirty="0" smtClean="0"/>
-              <a:t>结果管理</a:t>
+              <a:t>设计了完整的查询引擎架构，详细考虑了系统维护、模块交流等各个方面</a:t>
             </a:r>
             <a:endParaRPr lang="en-US" altLang="zh-CN" dirty="0" smtClean="0"/>
           </a:p>
           <a:p>
-            <a:pPr lvl="1"/>
+            <a:r>
+              <a:rPr lang="zh-CN" altLang="en-US" dirty="0" smtClean="0"/>
+              <a:t>实现了多维度的查询功能，利用索引对读写进行优化</a:t>
+            </a:r>
+            <a:endParaRPr lang="en-US" altLang="zh-CN" dirty="0" smtClean="0"/>
+          </a:p>
+          <a:p>
             <a:r>
               <a:rPr lang="zh-CN" altLang="en-US" dirty="0"/>
-              <a:t>当</a:t>
+              <a:t>设计</a:t>
             </a:r>
             <a:r>
               <a:rPr lang="zh-CN" altLang="en-US" dirty="0" smtClean="0"/>
-              <a:t>返回大数据量时，实现硬盘缓存，分批返回。</a:t>
-            </a:r>
-            <a:endParaRPr lang="en-US" altLang="zh-CN" dirty="0"/>
+              <a:t>了周详的通信机理与通信协议，有很好的可用性与拓展性</a:t>
+            </a:r>
+            <a:endParaRPr lang="en-US" altLang="zh-CN" dirty="0" smtClean="0"/>
           </a:p>
           <a:p>
             <a:r>
               <a:rPr lang="zh-CN" altLang="en-US" dirty="0"/>
-              <a:t>索引数据</a:t>
+              <a:t>设计</a:t>
             </a:r>
             <a:r>
               <a:rPr lang="zh-CN" altLang="en-US" dirty="0" smtClean="0"/>
-              <a:t>迁移</a:t>
+              <a:t>了统一的索引接口与规范化流程，方便对索引进行管理和调用</a:t>
             </a:r>
             <a:endParaRPr lang="en-US" altLang="zh-CN" dirty="0" smtClean="0"/>
           </a:p>
           <a:p>
-            <a:pPr lvl="1"/>
-            <a:r>
-              <a:rPr lang="zh-CN" altLang="en-US" dirty="0" smtClean="0"/>
-              <a:t>当节点增删导致分管数据段变更，进行索引数据迁移。</a:t>
-            </a:r>
-            <a:endParaRPr lang="en-US" altLang="zh-CN" dirty="0"/>
+            <a:endParaRPr lang="zh-CN" altLang="en-US" dirty="0"/>
           </a:p>
         </p:txBody>
       </p:sp>
     </p:spTree>
     <p:extLst>
       <p:ext uri="{BB962C8B-B14F-4D97-AF65-F5344CB8AC3E}">
-        <p14:creationId xmlns:p14="http://schemas.microsoft.com/office/powerpoint/2010/main" val="1542993425"/>
+        <p14:creationId xmlns:p14="http://schemas.microsoft.com/office/powerpoint/2010/main" val="3029000238"/>
       </p:ext>
     </p:extLst>
   </p:cSld>
@@ -10344,7 +11183,7 @@
             <a:spLocks noGrp="1"/>
           </p:cNvSpPr>
           <p:nvPr>
-            <p:ph type="ctrTitle"/>
+            <p:ph type="title"/>
           </p:nvPr>
         </p:nvSpPr>
         <p:spPr/>
@@ -10354,7 +11193,7 @@
           <a:p>
             <a:r>
               <a:rPr lang="zh-CN" altLang="en-US" dirty="0" smtClean="0"/>
-              <a:t>谢谢大家！</a:t>
+              <a:t>工作展望</a:t>
             </a:r>
             <a:endParaRPr lang="zh-CN" altLang="en-US" dirty="0"/>
           </a:p>
@@ -10362,12 +11201,12 @@
       </p:sp>
       <p:sp>
         <p:nvSpPr>
-          <p:cNvPr id="3" name="副标题 2"/>
+          <p:cNvPr id="3" name="内容占位符 2"/>
           <p:cNvSpPr>
             <a:spLocks noGrp="1"/>
           </p:cNvSpPr>
           <p:nvPr>
-            <p:ph type="subTitle" idx="1"/>
+            <p:ph idx="1"/>
           </p:nvPr>
         </p:nvSpPr>
         <p:spPr/>
@@ -10375,14 +11214,49 @@
           <a:bodyPr/>
           <a:lstStyle/>
           <a:p>
-            <a:endParaRPr lang="zh-CN" altLang="en-US"/>
+            <a:r>
+              <a:rPr lang="zh-CN" altLang="en-US" dirty="0" smtClean="0"/>
+              <a:t>结果管理</a:t>
+            </a:r>
+            <a:endParaRPr lang="en-US" altLang="zh-CN" dirty="0" smtClean="0"/>
+          </a:p>
+          <a:p>
+            <a:pPr lvl="1"/>
+            <a:r>
+              <a:rPr lang="zh-CN" altLang="en-US" dirty="0"/>
+              <a:t>当</a:t>
+            </a:r>
+            <a:r>
+              <a:rPr lang="zh-CN" altLang="en-US" dirty="0" smtClean="0"/>
+              <a:t>返回大数据量时，实现硬盘缓存，分批返回。</a:t>
+            </a:r>
+            <a:endParaRPr lang="en-US" altLang="zh-CN" dirty="0"/>
+          </a:p>
+          <a:p>
+            <a:r>
+              <a:rPr lang="zh-CN" altLang="en-US" dirty="0"/>
+              <a:t>索引数据</a:t>
+            </a:r>
+            <a:r>
+              <a:rPr lang="zh-CN" altLang="en-US" dirty="0" smtClean="0"/>
+              <a:t>迁移</a:t>
+            </a:r>
+            <a:endParaRPr lang="en-US" altLang="zh-CN" dirty="0" smtClean="0"/>
+          </a:p>
+          <a:p>
+            <a:pPr lvl="1"/>
+            <a:r>
+              <a:rPr lang="zh-CN" altLang="en-US" dirty="0" smtClean="0"/>
+              <a:t>当节点增删导致分管数据段变更，进行索引数据迁移。</a:t>
+            </a:r>
+            <a:endParaRPr lang="en-US" altLang="zh-CN" dirty="0"/>
           </a:p>
         </p:txBody>
       </p:sp>
     </p:spTree>
     <p:extLst>
       <p:ext uri="{BB962C8B-B14F-4D97-AF65-F5344CB8AC3E}">
-        <p14:creationId xmlns:p14="http://schemas.microsoft.com/office/powerpoint/2010/main" val="1003483165"/>
+        <p14:creationId xmlns:p14="http://schemas.microsoft.com/office/powerpoint/2010/main" val="1542993425"/>
       </p:ext>
     </p:extLst>
   </p:cSld>
@@ -10423,6 +11297,85 @@
             <a:spLocks noGrp="1"/>
           </p:cNvSpPr>
           <p:nvPr>
+            <p:ph type="ctrTitle"/>
+          </p:nvPr>
+        </p:nvSpPr>
+        <p:spPr/>
+        <p:txBody>
+          <a:bodyPr/>
+          <a:lstStyle/>
+          <a:p>
+            <a:r>
+              <a:rPr lang="zh-CN" altLang="en-US" dirty="0" smtClean="0"/>
+              <a:t>谢谢大家！</a:t>
+            </a:r>
+            <a:endParaRPr lang="zh-CN" altLang="en-US" dirty="0"/>
+          </a:p>
+        </p:txBody>
+      </p:sp>
+      <p:sp>
+        <p:nvSpPr>
+          <p:cNvPr id="3" name="副标题 2"/>
+          <p:cNvSpPr>
+            <a:spLocks noGrp="1"/>
+          </p:cNvSpPr>
+          <p:nvPr>
+            <p:ph type="subTitle" idx="1"/>
+          </p:nvPr>
+        </p:nvSpPr>
+        <p:spPr/>
+        <p:txBody>
+          <a:bodyPr/>
+          <a:lstStyle/>
+          <a:p>
+            <a:endParaRPr lang="zh-CN" altLang="en-US"/>
+          </a:p>
+        </p:txBody>
+      </p:sp>
+    </p:spTree>
+    <p:extLst>
+      <p:ext uri="{BB962C8B-B14F-4D97-AF65-F5344CB8AC3E}">
+        <p14:creationId xmlns:p14="http://schemas.microsoft.com/office/powerpoint/2010/main" val="1003483165"/>
+      </p:ext>
+    </p:extLst>
+  </p:cSld>
+  <p:clrMapOvr>
+    <a:masterClrMapping/>
+  </p:clrMapOvr>
+  <p:timing>
+    <p:tnLst>
+      <p:par>
+        <p:cTn id="1" dur="indefinite" restart="never" nodeType="tmRoot"/>
+      </p:par>
+    </p:tnLst>
+  </p:timing>
+</p:sld>
+</file>
+
+<file path=ppt/slides/slide23.xml><?xml version="1.0" encoding="utf-8"?>
+<p:sld xmlns:a="http://schemas.openxmlformats.org/drawingml/2006/main" xmlns:r="http://schemas.openxmlformats.org/officeDocument/2006/relationships" xmlns:p="http://schemas.openxmlformats.org/presentationml/2006/main">
+  <p:cSld>
+    <p:spTree>
+      <p:nvGrpSpPr>
+        <p:cNvPr id="1" name=""/>
+        <p:cNvGrpSpPr/>
+        <p:nvPr/>
+      </p:nvGrpSpPr>
+      <p:grpSpPr>
+        <a:xfrm>
+          <a:off x="0" y="0"/>
+          <a:ext cx="0" cy="0"/>
+          <a:chOff x="0" y="0"/>
+          <a:chExt cx="0" cy="0"/>
+        </a:xfrm>
+      </p:grpSpPr>
+      <p:sp>
+        <p:nvSpPr>
+          <p:cNvPr id="2" name="标题 1"/>
+          <p:cNvSpPr>
+            <a:spLocks noGrp="1"/>
+          </p:cNvSpPr>
+          <p:nvPr>
             <p:ph type="title"/>
           </p:nvPr>
         </p:nvSpPr>
@@ -10496,7 +11449,7 @@
           <a:graphicData uri="http://schemas.openxmlformats.org/presentationml/2006/ole">
             <mc:AlternateContent xmlns:mc="http://schemas.openxmlformats.org/markup-compatibility/2006">
               <mc:Choice xmlns:v="urn:schemas-microsoft-com:vml" Requires="v">
-                <p:oleObj spid="_x0000_s8209" name="Visio" r:id="rId4" imgW="10829900" imgH="3457620" progId="Visio.Drawing.15">
+                <p:oleObj spid="_x0000_s8214" name="Visio" r:id="rId4" imgW="10829900" imgH="3457620" progId="Visio.Drawing.15">
                   <p:embed/>
                 </p:oleObj>
               </mc:Choice>
@@ -11216,7 +12169,7 @@
 </p:sld>
 </file>
 
-<file path=ppt/slides/slide23.xml><?xml version="1.0" encoding="utf-8"?>
+<file path=ppt/slides/slide24.xml><?xml version="1.0" encoding="utf-8"?>
 <p:sld xmlns:a="http://schemas.openxmlformats.org/drawingml/2006/main" xmlns:r="http://schemas.openxmlformats.org/officeDocument/2006/relationships" xmlns:p="http://schemas.openxmlformats.org/presentationml/2006/main">
   <p:cSld>
     <p:spTree>
@@ -11364,7 +12317,7 @@
           <a:graphicData uri="http://schemas.openxmlformats.org/presentationml/2006/ole">
             <mc:AlternateContent xmlns:mc="http://schemas.openxmlformats.org/markup-compatibility/2006">
               <mc:Choice xmlns:v="urn:schemas-microsoft-com:vml" Requires="v">
-                <p:oleObj spid="_x0000_s7186" name="Visio" r:id="rId3" imgW="10058267" imgH="6372322" progId="Visio.Drawing.15">
+                <p:oleObj spid="_x0000_s7191" name="Visio" r:id="rId3" imgW="10058267" imgH="6372322" progId="Visio.Drawing.15">
                   <p:embed/>
                 </p:oleObj>
               </mc:Choice>
@@ -11423,7 +12376,7 @@
 </p:sld>
 </file>
 
-<file path=ppt/slides/slide24.xml><?xml version="1.0" encoding="utf-8"?>
+<file path=ppt/slides/slide25.xml><?xml version="1.0" encoding="utf-8"?>
 <p:sld xmlns:a="http://schemas.openxmlformats.org/drawingml/2006/main" xmlns:r="http://schemas.openxmlformats.org/officeDocument/2006/relationships" xmlns:p="http://schemas.openxmlformats.org/presentationml/2006/main">
   <p:cSld>
     <p:spTree>
@@ -11684,14 +12637,22 @@
           <a:p>
             <a:r>
               <a:rPr lang="zh-CN" altLang="en-US" dirty="0" smtClean="0"/>
+              <a:t>消息</a:t>
+            </a:r>
+            <a:r>
+              <a:rPr lang="zh-CN" altLang="en-US" dirty="0" smtClean="0"/>
+              <a:t>系统的</a:t>
+            </a:r>
+            <a:r>
+              <a:rPr lang="zh-CN" altLang="en-US" dirty="0" smtClean="0"/>
+              <a:t>必要性</a:t>
+            </a:r>
+            <a:endParaRPr lang="en-US" altLang="zh-CN" dirty="0" smtClean="0"/>
+          </a:p>
+          <a:p>
+            <a:r>
+              <a:rPr lang="zh-CN" altLang="en-US" dirty="0" smtClean="0"/>
               <a:t>设计目标</a:t>
-            </a:r>
-            <a:endParaRPr lang="en-US" altLang="zh-CN" dirty="0" smtClean="0"/>
-          </a:p>
-          <a:p>
-            <a:r>
-              <a:rPr lang="zh-CN" altLang="en-US" dirty="0" smtClean="0"/>
-              <a:t>消息系统的必要性</a:t>
             </a:r>
             <a:endParaRPr lang="en-US" altLang="zh-CN" dirty="0" smtClean="0"/>
           </a:p>
@@ -11706,11 +12667,7 @@
             </a:r>
             <a:r>
               <a:rPr lang="zh-CN" altLang="en-US" dirty="0" smtClean="0"/>
-              <a:t>基本</a:t>
-            </a:r>
-            <a:r>
-              <a:rPr lang="zh-CN" altLang="en-US" dirty="0" smtClean="0"/>
-              <a:t>概念</a:t>
+              <a:t>基本概念</a:t>
             </a:r>
             <a:endParaRPr lang="en-US" altLang="zh-CN" dirty="0" smtClean="0"/>
           </a:p>
@@ -11788,7 +12745,7 @@
           <a:p>
             <a:r>
               <a:rPr lang="zh-CN" altLang="en-US" dirty="0" smtClean="0"/>
-              <a:t>设计目标</a:t>
+              <a:t>消息系统的必要性</a:t>
             </a:r>
             <a:endParaRPr lang="zh-CN" altLang="en-US" dirty="0"/>
           </a:p>
@@ -11810,76 +12767,64 @@
           <a:lstStyle/>
           <a:p>
             <a:r>
+              <a:rPr lang="zh-CN" altLang="en-US" dirty="0" smtClean="0"/>
+              <a:t>解耦</a:t>
+            </a:r>
+            <a:endParaRPr lang="en-US" altLang="zh-CN" dirty="0" smtClean="0"/>
+          </a:p>
+          <a:p>
+            <a:pPr lvl="1"/>
+            <a:r>
+              <a:rPr lang="zh-CN" altLang="en-US" dirty="0" smtClean="0"/>
+              <a:t>遵循相同的接口约束</a:t>
+            </a:r>
+            <a:endParaRPr lang="en-US" altLang="zh-CN" dirty="0" smtClean="0"/>
+          </a:p>
+          <a:p>
+            <a:r>
+              <a:rPr lang="zh-CN" altLang="en-US" dirty="0" smtClean="0"/>
+              <a:t>冗余</a:t>
+            </a:r>
+            <a:endParaRPr lang="en-US" altLang="zh-CN" dirty="0" smtClean="0"/>
+          </a:p>
+          <a:p>
+            <a:pPr lvl="1"/>
+            <a:r>
+              <a:rPr lang="zh-CN" altLang="en-US" dirty="0" smtClean="0"/>
+              <a:t>易失的数据处理失败</a:t>
+            </a:r>
+            <a:endParaRPr lang="en-US" altLang="zh-CN" dirty="0" smtClean="0"/>
+          </a:p>
+          <a:p>
+            <a:r>
               <a:rPr lang="zh-CN" altLang="en-US" dirty="0"/>
-              <a:t>以时间复杂度为</a:t>
-            </a:r>
-            <a:r>
-              <a:rPr lang="en-US" altLang="zh-CN" dirty="0"/>
-              <a:t>O(1)</a:t>
-            </a:r>
+              <a:t>可</a:t>
+            </a:r>
+            <a:r>
+              <a:rPr lang="zh-CN" altLang="en-US" dirty="0" smtClean="0"/>
+              <a:t>恢复</a:t>
+            </a:r>
+            <a:endParaRPr lang="en-US" altLang="zh-CN" dirty="0" smtClean="0"/>
+          </a:p>
+          <a:p>
+            <a:pPr lvl="1"/>
+            <a:r>
+              <a:rPr lang="zh-CN" altLang="en-US" dirty="0" smtClean="0"/>
+              <a:t>系统的部分组件失效</a:t>
+            </a:r>
+            <a:endParaRPr lang="en-US" altLang="zh-CN" dirty="0" smtClean="0"/>
+          </a:p>
+          <a:p>
+            <a:r>
+              <a:rPr lang="zh-CN" altLang="en-US" dirty="0" smtClean="0"/>
+              <a:t>保序</a:t>
+            </a:r>
+            <a:endParaRPr lang="en-US" altLang="zh-CN" dirty="0" smtClean="0"/>
+          </a:p>
+          <a:p>
             <a:r>
               <a:rPr lang="zh-CN" altLang="en-US" dirty="0"/>
-              <a:t>的方式提供消息持久化能力，即使对</a:t>
-            </a:r>
-            <a:r>
-              <a:rPr lang="en-US" altLang="zh-CN" dirty="0"/>
-              <a:t>TB</a:t>
-            </a:r>
-            <a:r>
-              <a:rPr lang="zh-CN" altLang="en-US" dirty="0"/>
-              <a:t>级以上数据也能保证常数时间复杂度的访问性能。</a:t>
-            </a:r>
-          </a:p>
-          <a:p>
-            <a:r>
-              <a:rPr lang="zh-CN" altLang="en-US" dirty="0"/>
-              <a:t>高吞吐率。即使在非常廉价的商用机器上也能做到单机支持每秒</a:t>
-            </a:r>
-            <a:r>
-              <a:rPr lang="en-US" altLang="zh-CN" dirty="0"/>
-              <a:t>100K</a:t>
-            </a:r>
-            <a:r>
-              <a:rPr lang="zh-CN" altLang="en-US" dirty="0"/>
-              <a:t>条以上消息的传输。</a:t>
-            </a:r>
-          </a:p>
-          <a:p>
-            <a:r>
-              <a:rPr lang="zh-CN" altLang="en-US" dirty="0"/>
-              <a:t>支持</a:t>
-            </a:r>
-            <a:r>
-              <a:rPr lang="en-US" altLang="zh-CN" dirty="0"/>
-              <a:t>Kafka Server</a:t>
-            </a:r>
-            <a:r>
-              <a:rPr lang="zh-CN" altLang="en-US" dirty="0"/>
-              <a:t>间的消息分区，及分布式消费，同时保证每个</a:t>
-            </a:r>
-            <a:r>
-              <a:rPr lang="en-US" altLang="zh-CN" dirty="0"/>
-              <a:t>Partition</a:t>
-            </a:r>
-            <a:r>
-              <a:rPr lang="zh-CN" altLang="en-US" dirty="0"/>
-              <a:t>内的消息顺序传输。</a:t>
-            </a:r>
-          </a:p>
-          <a:p>
-            <a:r>
-              <a:rPr lang="zh-CN" altLang="en-US" dirty="0"/>
-              <a:t>同时支持离线数据处理和实时数据处理。</a:t>
-            </a:r>
-          </a:p>
-          <a:p>
-            <a:r>
-              <a:rPr lang="en-US" altLang="zh-CN" dirty="0"/>
-              <a:t>Scale out</a:t>
-            </a:r>
-            <a:r>
-              <a:rPr lang="zh-CN" altLang="en-US" dirty="0"/>
-              <a:t>：支持在线水平扩展。</a:t>
+              <a:t>缓冲</a:t>
             </a:r>
           </a:p>
         </p:txBody>
@@ -11887,13 +12832,20 @@
     </p:spTree>
     <p:extLst>
       <p:ext uri="{BB962C8B-B14F-4D97-AF65-F5344CB8AC3E}">
-        <p14:creationId xmlns:p14="http://schemas.microsoft.com/office/powerpoint/2010/main" val="3820755485"/>
+        <p14:creationId xmlns:p14="http://schemas.microsoft.com/office/powerpoint/2010/main" val="3283168250"/>
       </p:ext>
     </p:extLst>
   </p:cSld>
   <p:clrMapOvr>
     <a:masterClrMapping/>
   </p:clrMapOvr>
+  <p:timing>
+    <p:tnLst>
+      <p:par>
+        <p:cTn id="1" dur="indefinite" restart="never" nodeType="tmRoot"/>
+      </p:par>
+    </p:tnLst>
+  </p:timing>
 </p:sld>
 </file>
 
@@ -11931,7 +12883,7 @@
           <a:p>
             <a:r>
               <a:rPr lang="zh-CN" altLang="en-US" dirty="0" smtClean="0"/>
-              <a:t>消息系统的必要性</a:t>
+              <a:t>设计目标</a:t>
             </a:r>
             <a:endParaRPr lang="zh-CN" altLang="en-US" dirty="0"/>
           </a:p>
@@ -11953,64 +12905,76 @@
           <a:lstStyle/>
           <a:p>
             <a:r>
-              <a:rPr lang="zh-CN" altLang="en-US" dirty="0" smtClean="0"/>
-              <a:t>解耦</a:t>
-            </a:r>
-            <a:endParaRPr lang="en-US" altLang="zh-CN" dirty="0" smtClean="0"/>
-          </a:p>
-          <a:p>
-            <a:pPr lvl="1"/>
-            <a:r>
-              <a:rPr lang="zh-CN" altLang="en-US" dirty="0" smtClean="0"/>
-              <a:t>遵循相同的接口约束</a:t>
-            </a:r>
-            <a:endParaRPr lang="en-US" altLang="zh-CN" dirty="0" smtClean="0"/>
-          </a:p>
-          <a:p>
-            <a:r>
-              <a:rPr lang="zh-CN" altLang="en-US" dirty="0" smtClean="0"/>
-              <a:t>冗余</a:t>
-            </a:r>
-            <a:endParaRPr lang="en-US" altLang="zh-CN" dirty="0" smtClean="0"/>
-          </a:p>
-          <a:p>
-            <a:pPr lvl="1"/>
-            <a:r>
-              <a:rPr lang="zh-CN" altLang="en-US" dirty="0" smtClean="0"/>
-              <a:t>易失的数据处理失败</a:t>
-            </a:r>
-            <a:endParaRPr lang="en-US" altLang="zh-CN" dirty="0" smtClean="0"/>
-          </a:p>
-          <a:p>
-            <a:r>
               <a:rPr lang="zh-CN" altLang="en-US" dirty="0"/>
-              <a:t>可</a:t>
-            </a:r>
-            <a:r>
-              <a:rPr lang="zh-CN" altLang="en-US" dirty="0" smtClean="0"/>
-              <a:t>恢复</a:t>
-            </a:r>
-            <a:endParaRPr lang="en-US" altLang="zh-CN" dirty="0" smtClean="0"/>
-          </a:p>
-          <a:p>
-            <a:pPr lvl="1"/>
-            <a:r>
-              <a:rPr lang="zh-CN" altLang="en-US" dirty="0" smtClean="0"/>
-              <a:t>系统的部分组件失效</a:t>
-            </a:r>
-            <a:endParaRPr lang="en-US" altLang="zh-CN" dirty="0" smtClean="0"/>
-          </a:p>
-          <a:p>
-            <a:r>
-              <a:rPr lang="zh-CN" altLang="en-US" dirty="0" smtClean="0"/>
-              <a:t>保序</a:t>
-            </a:r>
-            <a:endParaRPr lang="en-US" altLang="zh-CN" dirty="0" smtClean="0"/>
-          </a:p>
-          <a:p>
+              <a:t>以时间复杂度为</a:t>
+            </a:r>
+            <a:r>
+              <a:rPr lang="en-US" altLang="zh-CN" dirty="0"/>
+              <a:t>O(1)</a:t>
+            </a:r>
             <a:r>
               <a:rPr lang="zh-CN" altLang="en-US" dirty="0"/>
-              <a:t>缓冲</a:t>
+              <a:t>的方式提供消息持久化能力，即使对</a:t>
+            </a:r>
+            <a:r>
+              <a:rPr lang="en-US" altLang="zh-CN" dirty="0"/>
+              <a:t>TB</a:t>
+            </a:r>
+            <a:r>
+              <a:rPr lang="zh-CN" altLang="en-US" dirty="0"/>
+              <a:t>级以上数据也能保证常数时间复杂度的访问性能。</a:t>
+            </a:r>
+          </a:p>
+          <a:p>
+            <a:r>
+              <a:rPr lang="zh-CN" altLang="en-US" dirty="0"/>
+              <a:t>高吞吐率。即使在非常廉价的商用机器上也能做到单机支持每秒</a:t>
+            </a:r>
+            <a:r>
+              <a:rPr lang="en-US" altLang="zh-CN" dirty="0"/>
+              <a:t>100K</a:t>
+            </a:r>
+            <a:r>
+              <a:rPr lang="zh-CN" altLang="en-US" dirty="0"/>
+              <a:t>条以上消息的传输。</a:t>
+            </a:r>
+          </a:p>
+          <a:p>
+            <a:r>
+              <a:rPr lang="zh-CN" altLang="en-US" dirty="0"/>
+              <a:t>支持</a:t>
+            </a:r>
+            <a:r>
+              <a:rPr lang="en-US" altLang="zh-CN" dirty="0"/>
+              <a:t>Kafka Server</a:t>
+            </a:r>
+            <a:r>
+              <a:rPr lang="zh-CN" altLang="en-US" dirty="0"/>
+              <a:t>间的消息分区，及分布式消费，同时保证每个</a:t>
+            </a:r>
+            <a:r>
+              <a:rPr lang="en-US" altLang="zh-CN" dirty="0"/>
+              <a:t>Partition</a:t>
+            </a:r>
+            <a:r>
+              <a:rPr lang="zh-CN" altLang="en-US" dirty="0"/>
+              <a:t>内的消息顺序传输。</a:t>
+            </a:r>
+          </a:p>
+          <a:p>
+            <a:r>
+              <a:rPr lang="zh-CN" altLang="en-US" dirty="0"/>
+              <a:t>同时支持离线数据处理和实时数据处理。</a:t>
+            </a:r>
+          </a:p>
+          <a:p>
+            <a:r>
+              <a:rPr lang="en-US" altLang="zh-CN" dirty="0"/>
+              <a:t>Scale out</a:t>
+            </a:r>
+            <a:r>
+              <a:rPr lang="zh-CN" altLang="en-US" dirty="0"/>
+              <a:t>：支持在线水平扩展。</a:t>
             </a:r>
           </a:p>
         </p:txBody>
@@ -12018,13 +12982,20 @@
     </p:spTree>
     <p:extLst>
       <p:ext uri="{BB962C8B-B14F-4D97-AF65-F5344CB8AC3E}">
-        <p14:creationId xmlns:p14="http://schemas.microsoft.com/office/powerpoint/2010/main" val="3283168250"/>
+        <p14:creationId xmlns:p14="http://schemas.microsoft.com/office/powerpoint/2010/main" val="3820755485"/>
       </p:ext>
     </p:extLst>
   </p:cSld>
   <p:clrMapOvr>
     <a:masterClrMapping/>
   </p:clrMapOvr>
+  <p:timing>
+    <p:tnLst>
+      <p:par>
+        <p:cTn id="1" dur="indefinite" restart="never" nodeType="tmRoot"/>
+      </p:par>
+    </p:tnLst>
+  </p:timing>
 </p:sld>
 </file>
 
@@ -12062,7 +13033,7 @@
           <a:p>
             <a:r>
               <a:rPr lang="zh-CN" altLang="en-US" dirty="0" smtClean="0"/>
-              <a:t>设计背景</a:t>
+              <a:t>基本概念</a:t>
             </a:r>
             <a:endParaRPr lang="zh-CN" altLang="en-US" dirty="0"/>
           </a:p>
@@ -12083,6 +13054,156 @@
           <a:bodyPr/>
           <a:lstStyle/>
           <a:p>
+            <a:r>
+              <a:rPr lang="en-US" altLang="zh-CN" dirty="0"/>
+              <a:t>Broker</a:t>
+            </a:r>
+            <a:r>
+              <a:rPr lang="zh-CN" altLang="en-US" dirty="0"/>
+              <a:t>：消息处理中间件节点，一个</a:t>
+            </a:r>
+            <a:r>
+              <a:rPr lang="en-US" altLang="zh-CN" dirty="0"/>
+              <a:t>broker</a:t>
+            </a:r>
+            <a:r>
+              <a:rPr lang="zh-CN" altLang="en-US" dirty="0"/>
+              <a:t>就是一个</a:t>
+            </a:r>
+            <a:r>
+              <a:rPr lang="en-US" altLang="zh-CN" dirty="0" err="1"/>
+              <a:t>kafka</a:t>
+            </a:r>
+            <a:r>
+              <a:rPr lang="zh-CN" altLang="en-US" dirty="0"/>
+              <a:t>节点，多个</a:t>
+            </a:r>
+            <a:r>
+              <a:rPr lang="en-US" altLang="zh-CN" dirty="0"/>
+              <a:t>broker</a:t>
+            </a:r>
+            <a:r>
+              <a:rPr lang="zh-CN" altLang="en-US" dirty="0"/>
+              <a:t>构成一个</a:t>
+            </a:r>
+            <a:r>
+              <a:rPr lang="en-US" altLang="zh-CN" dirty="0" err="1"/>
+              <a:t>kafka</a:t>
+            </a:r>
+            <a:r>
+              <a:rPr lang="zh-CN" altLang="en-US" dirty="0" smtClean="0"/>
+              <a:t>集群</a:t>
+            </a:r>
+            <a:endParaRPr lang="en-US" altLang="zh-CN" dirty="0" smtClean="0"/>
+          </a:p>
+          <a:p>
+            <a:endParaRPr lang="zh-CN" altLang="en-US" dirty="0"/>
+          </a:p>
+          <a:p>
+            <a:r>
+              <a:rPr lang="en-US" altLang="zh-CN" dirty="0"/>
+              <a:t>Topic</a:t>
+            </a:r>
+            <a:r>
+              <a:rPr lang="zh-CN" altLang="en-US" dirty="0"/>
+              <a:t>：一类消息，例如</a:t>
+            </a:r>
+            <a:r>
+              <a:rPr lang="en-US" altLang="zh-CN" dirty="0"/>
+              <a:t>page view</a:t>
+            </a:r>
+            <a:r>
+              <a:rPr lang="zh-CN" altLang="en-US" dirty="0"/>
+              <a:t>日志，</a:t>
+            </a:r>
+            <a:r>
+              <a:rPr lang="en-US" altLang="zh-CN" dirty="0"/>
+              <a:t>click</a:t>
+            </a:r>
+            <a:r>
+              <a:rPr lang="zh-CN" altLang="en-US" dirty="0"/>
+              <a:t>日志等，</a:t>
+            </a:r>
+            <a:r>
+              <a:rPr lang="en-US" altLang="zh-CN" dirty="0" err="1"/>
+              <a:t>kafka</a:t>
+            </a:r>
+            <a:r>
+              <a:rPr lang="zh-CN" altLang="en-US" dirty="0"/>
+              <a:t>集群能够同时负责多个</a:t>
+            </a:r>
+            <a:r>
+              <a:rPr lang="en-US" altLang="zh-CN" dirty="0"/>
+              <a:t>topic</a:t>
+            </a:r>
+            <a:r>
+              <a:rPr lang="zh-CN" altLang="en-US" dirty="0" smtClean="0"/>
+              <a:t>分发</a:t>
+            </a:r>
+            <a:endParaRPr lang="en-US" altLang="zh-CN" dirty="0" smtClean="0"/>
+          </a:p>
+          <a:p>
+            <a:endParaRPr lang="zh-CN" altLang="en-US" dirty="0"/>
+          </a:p>
+          <a:p>
+            <a:r>
+              <a:rPr lang="en-US" altLang="zh-CN" dirty="0"/>
+              <a:t>Partition</a:t>
+            </a:r>
+            <a:r>
+              <a:rPr lang="zh-CN" altLang="en-US" dirty="0"/>
+              <a:t>：</a:t>
+            </a:r>
+            <a:r>
+              <a:rPr lang="en-US" altLang="zh-CN" dirty="0"/>
+              <a:t>topic</a:t>
+            </a:r>
+            <a:r>
+              <a:rPr lang="zh-CN" altLang="en-US" dirty="0"/>
+              <a:t>物理上的分组，一个</a:t>
+            </a:r>
+            <a:r>
+              <a:rPr lang="en-US" altLang="zh-CN" dirty="0"/>
+              <a:t>topic</a:t>
+            </a:r>
+            <a:r>
+              <a:rPr lang="zh-CN" altLang="en-US" dirty="0"/>
+              <a:t>可以分为多个</a:t>
+            </a:r>
+            <a:r>
+              <a:rPr lang="en-US" altLang="zh-CN" dirty="0"/>
+              <a:t>partition</a:t>
+            </a:r>
+            <a:r>
+              <a:rPr lang="zh-CN" altLang="en-US" dirty="0"/>
+              <a:t>，每个</a:t>
+            </a:r>
+            <a:r>
+              <a:rPr lang="en-US" altLang="zh-CN" dirty="0"/>
+              <a:t>partition</a:t>
+            </a:r>
+            <a:r>
+              <a:rPr lang="zh-CN" altLang="en-US" dirty="0"/>
+              <a:t>内部是一个有序的队列，每个</a:t>
+            </a:r>
+            <a:r>
+              <a:rPr lang="en-US" altLang="zh-CN" dirty="0"/>
+              <a:t>partition</a:t>
+            </a:r>
+            <a:r>
+              <a:rPr lang="zh-CN" altLang="en-US" dirty="0"/>
+              <a:t>对应于一个文件夹，该文件夹下存储该</a:t>
+            </a:r>
+            <a:r>
+              <a:rPr lang="en-US" altLang="zh-CN" dirty="0"/>
+              <a:t>partition</a:t>
+            </a:r>
+            <a:r>
+              <a:rPr lang="zh-CN" altLang="en-US" dirty="0"/>
+              <a:t>的数据和索引文件</a:t>
+            </a:r>
+          </a:p>
+          <a:p>
             <a:endParaRPr lang="zh-CN" altLang="en-US" dirty="0"/>
           </a:p>
         </p:txBody>
@@ -12090,13 +13211,20 @@
     </p:spTree>
     <p:extLst>
       <p:ext uri="{BB962C8B-B14F-4D97-AF65-F5344CB8AC3E}">
-        <p14:creationId xmlns:p14="http://schemas.microsoft.com/office/powerpoint/2010/main" val="2300914028"/>
+        <p14:creationId xmlns:p14="http://schemas.microsoft.com/office/powerpoint/2010/main" val="4184416483"/>
       </p:ext>
     </p:extLst>
   </p:cSld>
   <p:clrMapOvr>
     <a:masterClrMapping/>
   </p:clrMapOvr>
+  <p:timing>
+    <p:tnLst>
+      <p:par>
+        <p:cTn id="1" dur="indefinite" restart="never" nodeType="tmRoot"/>
+      </p:par>
+    </p:tnLst>
+  </p:timing>
 </p:sld>
 </file>
 
@@ -12156,78 +13284,61 @@
           <a:lstStyle/>
           <a:p>
             <a:r>
+              <a:rPr lang="en-US" altLang="zh-CN" dirty="0" smtClean="0"/>
+              <a:t>Producer</a:t>
+            </a:r>
+            <a:r>
+              <a:rPr lang="zh-CN" altLang="en-US" dirty="0"/>
+              <a:t>：负责发送消息到</a:t>
+            </a:r>
+            <a:r>
+              <a:rPr lang="en-US" altLang="zh-CN" dirty="0" smtClean="0"/>
+              <a:t>broker</a:t>
+            </a:r>
+          </a:p>
+          <a:p>
+            <a:endParaRPr lang="en-US" altLang="zh-CN" dirty="0"/>
+          </a:p>
+          <a:p>
+            <a:r>
               <a:rPr lang="en-US" altLang="zh-CN" dirty="0"/>
-              <a:t>Broker</a:t>
+              <a:t>C</a:t>
+            </a:r>
+            <a:r>
+              <a:rPr lang="en-US" altLang="zh-CN" dirty="0" smtClean="0"/>
+              <a:t>onsumer</a:t>
             </a:r>
             <a:r>
               <a:rPr lang="zh-CN" altLang="en-US" dirty="0"/>
-              <a:t>：消息处理中间件节点，一个</a:t>
+              <a:t>：消费消息，每个</a:t>
             </a:r>
             <a:r>
               <a:rPr lang="en-US" altLang="zh-CN" dirty="0"/>
-              <a:t>broker</a:t>
+              <a:t>consumer</a:t>
             </a:r>
             <a:r>
               <a:rPr lang="zh-CN" altLang="en-US" dirty="0"/>
-              <a:t>就是一个</a:t>
+              <a:t>属于一个特定的</a:t>
+            </a:r>
+            <a:r>
+              <a:rPr lang="en-US" altLang="zh-CN" dirty="0"/>
+              <a:t>consumer group</a:t>
+            </a:r>
+            <a:r>
+              <a:rPr lang="zh-CN" altLang="en-US" dirty="0"/>
+              <a:t>。使用</a:t>
+            </a:r>
+            <a:r>
+              <a:rPr lang="en-US" altLang="zh-CN" dirty="0"/>
+              <a:t>consumer high level </a:t>
             </a:r>
             <a:r>
               <a:rPr lang="en-US" altLang="zh-CN" dirty="0" err="1"/>
-              <a:t>kafka</a:t>
+              <a:t>api</a:t>
             </a:r>
             <a:r>
               <a:rPr lang="zh-CN" altLang="en-US" dirty="0"/>
-              <a:t>节点，多个</a:t>
-            </a:r>
-            <a:r>
-              <a:rPr lang="en-US" altLang="zh-CN" dirty="0"/>
-              <a:t>broker</a:t>
-            </a:r>
-            <a:r>
-              <a:rPr lang="zh-CN" altLang="en-US" dirty="0"/>
-              <a:t>构成一个</a:t>
-            </a:r>
-            <a:r>
-              <a:rPr lang="en-US" altLang="zh-CN" dirty="0" err="1"/>
-              <a:t>kafka</a:t>
-            </a:r>
-            <a:r>
-              <a:rPr lang="zh-CN" altLang="en-US" dirty="0"/>
-              <a:t>集群</a:t>
-            </a:r>
-          </a:p>
-          <a:p>
-            <a:r>
-              <a:rPr lang="en-US" altLang="zh-CN" dirty="0"/>
-              <a:t>Topic</a:t>
-            </a:r>
-            <a:r>
-              <a:rPr lang="zh-CN" altLang="en-US" dirty="0"/>
-              <a:t>：一类消息，例如</a:t>
-            </a:r>
-            <a:r>
-              <a:rPr lang="en-US" altLang="zh-CN" dirty="0"/>
-              <a:t>page view</a:t>
-            </a:r>
-            <a:r>
-              <a:rPr lang="zh-CN" altLang="en-US" dirty="0"/>
-              <a:t>日志，</a:t>
-            </a:r>
-            <a:r>
-              <a:rPr lang="en-US" altLang="zh-CN" dirty="0"/>
-              <a:t>click</a:t>
-            </a:r>
-            <a:r>
-              <a:rPr lang="zh-CN" altLang="en-US" dirty="0"/>
-              <a:t>日志等，</a:t>
-            </a:r>
-            <a:r>
-              <a:rPr lang="en-US" altLang="zh-CN" dirty="0" err="1"/>
-              <a:t>kafka</a:t>
-            </a:r>
-            <a:r>
-              <a:rPr lang="zh-CN" altLang="en-US" dirty="0"/>
-              <a:t>集群能够同时负责多个</a:t>
+              <a:t>时，同一个</a:t>
             </a:r>
             <a:r>
               <a:rPr lang="en-US" altLang="zh-CN" dirty="0"/>
@@ -12235,92 +13346,103 @@
             </a:r>
             <a:r>
               <a:rPr lang="zh-CN" altLang="en-US" dirty="0"/>
-              <a:t>分发</a:t>
-            </a:r>
-          </a:p>
-          <a:p>
+              <a:t>的一条消息只能被同一个</a:t>
+            </a:r>
             <a:r>
               <a:rPr lang="en-US" altLang="zh-CN" dirty="0"/>
-              <a:t>Partition</a:t>
+              <a:t>consumer group</a:t>
             </a:r>
             <a:r>
               <a:rPr lang="zh-CN" altLang="en-US" dirty="0"/>
+              <a:t>的一个</a:t>
+            </a:r>
+            <a:r>
+              <a:rPr lang="en-US" altLang="zh-CN" dirty="0"/>
+              <a:t>consumer</a:t>
+            </a:r>
+            <a:r>
+              <a:rPr lang="zh-CN" altLang="en-US" dirty="0"/>
+              <a:t>消费，但是多个</a:t>
+            </a:r>
+            <a:r>
+              <a:rPr lang="en-US" altLang="zh-CN" dirty="0"/>
+              <a:t>consumer group</a:t>
+            </a:r>
+            <a:r>
+              <a:rPr lang="zh-CN" altLang="en-US" dirty="0"/>
+              <a:t>可以同时消费这一</a:t>
+            </a:r>
+            <a:r>
+              <a:rPr lang="zh-CN" altLang="en-US" dirty="0" smtClean="0"/>
+              <a:t>消息</a:t>
+            </a:r>
+            <a:endParaRPr lang="en-US" altLang="zh-CN" dirty="0" smtClean="0"/>
+          </a:p>
+          <a:p>
+            <a:endParaRPr lang="en-US" altLang="zh-CN" dirty="0" smtClean="0"/>
+          </a:p>
+          <a:p>
+            <a:r>
+              <a:rPr lang="en-US" altLang="zh-CN" dirty="0" smtClean="0"/>
+              <a:t>Consumer Group</a:t>
+            </a:r>
+            <a:r>
+              <a:rPr lang="zh-CN" altLang="en-US" dirty="0" smtClean="0"/>
               <a:t>：</a:t>
             </a:r>
             <a:r>
+              <a:rPr lang="zh-CN" altLang="en-US" dirty="0"/>
+              <a:t>每个</a:t>
+            </a:r>
+            <a:r>
               <a:rPr lang="en-US" altLang="zh-CN" dirty="0"/>
-              <a:t>topic</a:t>
+              <a:t>Consumer</a:t>
             </a:r>
             <a:r>
               <a:rPr lang="zh-CN" altLang="en-US" dirty="0"/>
-              <a:t>物理上的分组，一个</a:t>
+              <a:t>属于一个特定的</a:t>
             </a:r>
             <a:r>
               <a:rPr lang="en-US" altLang="zh-CN" dirty="0"/>
-              <a:t>topic</a:t>
+              <a:t>Consumer Group</a:t>
             </a:r>
             <a:r>
               <a:rPr lang="zh-CN" altLang="en-US" dirty="0"/>
-              <a:t>可以分为多个</a:t>
+              <a:t>（可为每个</a:t>
             </a:r>
             <a:r>
               <a:rPr lang="en-US" altLang="zh-CN" dirty="0"/>
-              <a:t>partition</a:t>
+              <a:t>Consumer</a:t>
             </a:r>
             <a:r>
               <a:rPr lang="zh-CN" altLang="en-US" dirty="0"/>
-              <a:t>，每个</a:t>
+              <a:t>指定</a:t>
             </a:r>
             <a:r>
               <a:rPr lang="en-US" altLang="zh-CN" dirty="0"/>
-              <a:t>partition</a:t>
+              <a:t>group name</a:t>
             </a:r>
             <a:r>
               <a:rPr lang="zh-CN" altLang="en-US" dirty="0"/>
-              <a:t>内部是一个有序的队列，每个</a:t>
+              <a:t>，若不指定</a:t>
             </a:r>
             <a:r>
               <a:rPr lang="en-US" altLang="zh-CN" dirty="0"/>
-              <a:t>partition</a:t>
+              <a:t>group name</a:t>
             </a:r>
             <a:r>
               <a:rPr lang="zh-CN" altLang="en-US" dirty="0"/>
-              <a:t>对应于一个文件夹，该文件夹下存储该</a:t>
+              <a:t>则属于默认的</a:t>
             </a:r>
             <a:r>
               <a:rPr lang="en-US" altLang="zh-CN" dirty="0"/>
-              <a:t>partition</a:t>
+              <a:t>group</a:t>
             </a:r>
             <a:r>
               <a:rPr lang="zh-CN" altLang="en-US" dirty="0"/>
-              <a:t>的数据和索引文件</a:t>
-            </a:r>
-          </a:p>
-          <a:p>
-            <a:r>
-              <a:rPr lang="en-US" altLang="zh-CN" dirty="0"/>
-              <a:t>Segment</a:t>
-            </a:r>
-            <a:r>
-              <a:rPr lang="zh-CN" altLang="en-US" dirty="0"/>
-              <a:t>：</a:t>
-            </a:r>
-            <a:r>
-              <a:rPr lang="en-US" altLang="zh-CN" dirty="0"/>
-              <a:t>partition</a:t>
-            </a:r>
-            <a:r>
-              <a:rPr lang="zh-CN" altLang="en-US" dirty="0"/>
-              <a:t>是由多个</a:t>
-            </a:r>
-            <a:r>
-              <a:rPr lang="en-US" altLang="zh-CN" dirty="0"/>
-              <a:t>segment</a:t>
-            </a:r>
-            <a:r>
-              <a:rPr lang="zh-CN" altLang="en-US" dirty="0"/>
-              <a:t>组成</a:t>
-            </a:r>
+              <a:t>）</a:t>
+            </a:r>
+            <a:endParaRPr lang="zh-CN" altLang="en-US" dirty="0"/>
           </a:p>
           <a:p>
             <a:endParaRPr lang="zh-CN" altLang="en-US" dirty="0"/>
@@ -12330,13 +13452,20 @@
     </p:spTree>
     <p:extLst>
       <p:ext uri="{BB962C8B-B14F-4D97-AF65-F5344CB8AC3E}">
-        <p14:creationId xmlns:p14="http://schemas.microsoft.com/office/powerpoint/2010/main" val="4184416483"/>
+        <p14:creationId xmlns:p14="http://schemas.microsoft.com/office/powerpoint/2010/main" val="3074499522"/>
       </p:ext>
     </p:extLst>
   </p:cSld>
   <p:clrMapOvr>
     <a:masterClrMapping/>
   </p:clrMapOvr>
+  <p:timing>
+    <p:tnLst>
+      <p:par>
+        <p:cTn id="1" dur="indefinite" restart="never" nodeType="tmRoot"/>
+      </p:par>
+    </p:tnLst>
+  </p:timing>
 </p:sld>
 </file>
 
@@ -12382,7 +13511,7 @@
       </p:sp>
       <p:sp>
         <p:nvSpPr>
-          <p:cNvPr id="3" name="内容占位符 2"/>
+          <p:cNvPr id="4" name="内容占位符 3"/>
           <p:cNvSpPr>
             <a:spLocks noGrp="1"/>
           </p:cNvSpPr>
@@ -12397,152 +13526,56 @@
           <a:p>
             <a:r>
               <a:rPr lang="en-US" altLang="zh-CN" dirty="0" smtClean="0"/>
-              <a:t>offset</a:t>
+              <a:t>Kafka</a:t>
             </a:r>
             <a:r>
               <a:rPr lang="zh-CN" altLang="en-US" dirty="0"/>
-              <a:t>：每个</a:t>
-            </a:r>
-            <a:r>
-              <a:rPr lang="en-US" altLang="zh-CN" dirty="0"/>
-              <a:t>partition</a:t>
-            </a:r>
-            <a:r>
-              <a:rPr lang="zh-CN" altLang="en-US" dirty="0"/>
-              <a:t>都由一系列有序的、不可变的消息组成，这些消息被连续的追加到</a:t>
-            </a:r>
-            <a:r>
-              <a:rPr lang="en-US" altLang="zh-CN" dirty="0"/>
-              <a:t>partition</a:t>
-            </a:r>
-            <a:r>
-              <a:rPr lang="zh-CN" altLang="en-US" dirty="0"/>
-              <a:t>中。</a:t>
-            </a:r>
-            <a:r>
-              <a:rPr lang="en-US" altLang="zh-CN" dirty="0"/>
-              <a:t>partition</a:t>
-            </a:r>
-            <a:r>
-              <a:rPr lang="zh-CN" altLang="en-US" dirty="0"/>
-              <a:t>中的每个消息都有一个连续的序号叫做</a:t>
-            </a:r>
-            <a:r>
-              <a:rPr lang="en-US" altLang="zh-CN" dirty="0"/>
-              <a:t>offset</a:t>
-            </a:r>
-            <a:r>
-              <a:rPr lang="zh-CN" altLang="en-US" dirty="0"/>
-              <a:t>，用于</a:t>
-            </a:r>
-            <a:r>
-              <a:rPr lang="en-US" altLang="zh-CN" dirty="0"/>
-              <a:t>partition</a:t>
-            </a:r>
-            <a:r>
-              <a:rPr lang="zh-CN" altLang="en-US" dirty="0"/>
-              <a:t>唯一标识一条消息</a:t>
-            </a:r>
-          </a:p>
-          <a:p>
-            <a:r>
-              <a:rPr lang="en-US" altLang="zh-CN" dirty="0"/>
-              <a:t>producer</a:t>
-            </a:r>
-            <a:r>
-              <a:rPr lang="zh-CN" altLang="en-US" dirty="0"/>
-              <a:t>：负责发送消息到</a:t>
-            </a:r>
-            <a:r>
-              <a:rPr lang="en-US" altLang="zh-CN" dirty="0"/>
-              <a:t>broker</a:t>
-            </a:r>
-          </a:p>
-          <a:p>
-            <a:r>
-              <a:rPr lang="en-US" altLang="zh-CN" dirty="0"/>
-              <a:t>consumer</a:t>
-            </a:r>
-            <a:r>
-              <a:rPr lang="zh-CN" altLang="en-US" dirty="0"/>
-              <a:t>：消费消息，每个</a:t>
-            </a:r>
-            <a:r>
-              <a:rPr lang="en-US" altLang="zh-CN" dirty="0"/>
-              <a:t>consumer</a:t>
-            </a:r>
-            <a:r>
-              <a:rPr lang="zh-CN" altLang="en-US" dirty="0"/>
-              <a:t>属于一个特定的</a:t>
-            </a:r>
-            <a:r>
-              <a:rPr lang="en-US" altLang="zh-CN" dirty="0"/>
-              <a:t>consumer group</a:t>
-            </a:r>
-            <a:r>
-              <a:rPr lang="zh-CN" altLang="en-US" dirty="0"/>
-              <a:t>。使用</a:t>
-            </a:r>
-            <a:r>
-              <a:rPr lang="en-US" altLang="zh-CN" dirty="0"/>
-              <a:t>consumer high level </a:t>
-            </a:r>
-            <a:r>
-              <a:rPr lang="en-US" altLang="zh-CN" dirty="0" err="1"/>
-              <a:t>api</a:t>
-            </a:r>
-            <a:r>
-              <a:rPr lang="zh-CN" altLang="en-US" dirty="0"/>
-              <a:t>时，同一个</a:t>
-            </a:r>
-            <a:r>
-              <a:rPr lang="en-US" altLang="zh-CN" dirty="0"/>
-              <a:t>topic</a:t>
-            </a:r>
-            <a:r>
-              <a:rPr lang="zh-CN" altLang="en-US" dirty="0"/>
-              <a:t>的一条消息只能被同一个</a:t>
-            </a:r>
-            <a:r>
-              <a:rPr lang="en-US" altLang="zh-CN" dirty="0"/>
-              <a:t>consumer group</a:t>
-            </a:r>
-            <a:r>
-              <a:rPr lang="zh-CN" altLang="en-US" dirty="0"/>
-              <a:t>的一个</a:t>
-            </a:r>
-            <a:r>
-              <a:rPr lang="en-US" altLang="zh-CN" dirty="0"/>
-              <a:t>consumer</a:t>
-            </a:r>
-            <a:r>
-              <a:rPr lang="zh-CN" altLang="en-US" dirty="0"/>
-              <a:t>消费，但是多个</a:t>
-            </a:r>
-            <a:r>
-              <a:rPr lang="en-US" altLang="zh-CN" dirty="0"/>
-              <a:t>consumer group</a:t>
-            </a:r>
-            <a:r>
-              <a:rPr lang="zh-CN" altLang="en-US" dirty="0"/>
-              <a:t>可以同时消费这一消息</a:t>
-            </a:r>
-          </a:p>
-          <a:p>
-            <a:endParaRPr lang="zh-CN" altLang="en-US" dirty="0"/>
+              <a:t>拓扑结构</a:t>
+            </a:r>
           </a:p>
         </p:txBody>
       </p:sp>
+      <p:pic>
+        <p:nvPicPr>
+          <p:cNvPr id="7" name="图片 6"/>
+          <p:cNvPicPr>
+            <a:picLocks noChangeAspect="1"/>
+          </p:cNvPicPr>
+          <p:nvPr/>
+        </p:nvPicPr>
+        <p:blipFill>
+          <a:blip r:embed="rId2"/>
+          <a:stretch>
+            <a:fillRect/>
+          </a:stretch>
+        </p:blipFill>
+        <p:spPr>
+          <a:xfrm>
+            <a:off x="682464" y="2108200"/>
+            <a:ext cx="7798122" cy="3744912"/>
+          </a:xfrm>
+          <a:prstGeom prst="rect">
+            <a:avLst/>
+          </a:prstGeom>
+        </p:spPr>
+      </p:pic>
     </p:spTree>
     <p:extLst>
       <p:ext uri="{BB962C8B-B14F-4D97-AF65-F5344CB8AC3E}">
-        <p14:creationId xmlns:p14="http://schemas.microsoft.com/office/powerpoint/2010/main" val="3074499522"/>
+        <p14:creationId xmlns:p14="http://schemas.microsoft.com/office/powerpoint/2010/main" val="1605724303"/>
       </p:ext>
     </p:extLst>
   </p:cSld>
   <p:clrMapOvr>
     <a:masterClrMapping/>
   </p:clrMapOvr>
+  <p:timing>
+    <p:tnLst>
+      <p:par>
+        <p:cTn id="1" dur="indefinite" restart="never" nodeType="tmRoot"/>
+      </p:par>
+    </p:tnLst>
+  </p:timing>
 </p:sld>
 </file>
 
@@ -12580,7 +13613,7 @@
           <a:p>
             <a:r>
               <a:rPr lang="zh-CN" altLang="en-US" dirty="0" smtClean="0"/>
-              <a:t>项目背景与意义</a:t>
+              <a:t>基本概念</a:t>
             </a:r>
             <a:endParaRPr lang="zh-CN" altLang="en-US" dirty="0"/>
           </a:p>
@@ -12588,7 +13621,7 @@
       </p:sp>
       <p:sp>
         <p:nvSpPr>
-          <p:cNvPr id="3" name="内容占位符 2"/>
+          <p:cNvPr id="4" name="内容占位符 3"/>
           <p:cNvSpPr>
             <a:spLocks noGrp="1"/>
           </p:cNvSpPr>
@@ -12602,123 +13635,17 @@
           <a:lstStyle/>
           <a:p>
             <a:r>
-              <a:rPr lang="zh-CN" altLang="en-US" dirty="0" smtClean="0"/>
-              <a:t>时序数据特点</a:t>
-            </a:r>
-            <a:endParaRPr lang="en-US" altLang="zh-CN" dirty="0" smtClean="0"/>
-          </a:p>
-          <a:p>
-            <a:pPr lvl="1"/>
-            <a:r>
-              <a:rPr lang="zh-CN" altLang="en-US" dirty="0" smtClean="0"/>
-              <a:t>数据量大</a:t>
-            </a:r>
-            <a:endParaRPr lang="en-US" altLang="zh-CN" dirty="0" smtClean="0"/>
-          </a:p>
-          <a:p>
-            <a:pPr lvl="2"/>
-            <a:r>
-              <a:rPr lang="zh-CN" altLang="en-US" dirty="0"/>
-              <a:t>写入</a:t>
-            </a:r>
-            <a:r>
-              <a:rPr lang="zh-CN" altLang="en-US" dirty="0" smtClean="0"/>
-              <a:t>速度要求</a:t>
-            </a:r>
-            <a:endParaRPr lang="en-US" altLang="zh-CN" dirty="0" smtClean="0"/>
-          </a:p>
-          <a:p>
-            <a:pPr lvl="2"/>
-            <a:r>
-              <a:rPr lang="zh-CN" altLang="en-US" dirty="0"/>
-              <a:t>查询性能的可拓展性</a:t>
-            </a:r>
-            <a:endParaRPr lang="en-US" altLang="zh-CN" dirty="0" smtClean="0"/>
-          </a:p>
-          <a:p>
-            <a:pPr lvl="1"/>
-            <a:r>
-              <a:rPr lang="zh-CN" altLang="en-US" dirty="0"/>
-              <a:t>产生速度快</a:t>
-            </a:r>
-            <a:endParaRPr lang="en-US" altLang="zh-CN" dirty="0" smtClean="0"/>
-          </a:p>
-          <a:p>
-            <a:pPr lvl="2"/>
-            <a:r>
-              <a:rPr lang="zh-CN" altLang="en-US" dirty="0" smtClean="0"/>
-              <a:t>压缩算法</a:t>
-            </a:r>
-            <a:endParaRPr lang="en-US" altLang="zh-CN" dirty="0" smtClean="0"/>
-          </a:p>
-          <a:p>
-            <a:r>
-              <a:rPr lang="zh-CN" altLang="en-US" dirty="0" smtClean="0"/>
-              <a:t>当前数据库</a:t>
-            </a:r>
-            <a:endParaRPr lang="en-US" altLang="zh-CN" dirty="0" smtClean="0"/>
-          </a:p>
-          <a:p>
-            <a:pPr lvl="1"/>
-            <a:r>
-              <a:rPr lang="zh-CN" altLang="en-US" dirty="0" smtClean="0"/>
-              <a:t>关系型数据库：水平拓展性能较差；</a:t>
-            </a:r>
-            <a:endParaRPr lang="en-US" altLang="zh-CN" dirty="0" smtClean="0"/>
-          </a:p>
-          <a:p>
-            <a:pPr lvl="1"/>
-            <a:r>
-              <a:rPr lang="en-US" altLang="zh-CN" dirty="0" err="1" smtClean="0"/>
-              <a:t>Nosql</a:t>
-            </a:r>
-            <a:r>
-              <a:rPr lang="zh-CN" altLang="en-US" dirty="0" smtClean="0"/>
-              <a:t>数据库：现有查询过于</a:t>
-            </a:r>
-            <a:r>
-              <a:rPr lang="zh-CN" altLang="en-US" dirty="0"/>
-              <a:t>简单</a:t>
-            </a:r>
-            <a:r>
-              <a:rPr lang="zh-CN" altLang="en-US" dirty="0" smtClean="0"/>
-              <a:t>；</a:t>
-            </a:r>
-            <a:endParaRPr lang="en-US" altLang="zh-CN" dirty="0" smtClean="0"/>
-          </a:p>
-          <a:p>
-            <a:r>
-              <a:rPr lang="zh-CN" altLang="en-US" dirty="0" smtClean="0"/>
-              <a:t>实现</a:t>
-            </a:r>
-            <a:r>
-              <a:rPr lang="zh-CN" altLang="en-US" dirty="0"/>
-              <a:t>目标</a:t>
-            </a:r>
-            <a:endParaRPr lang="en-US" altLang="zh-CN" dirty="0" smtClean="0"/>
-          </a:p>
-          <a:p>
-            <a:pPr lvl="1"/>
-            <a:r>
-              <a:rPr lang="zh-CN" altLang="en-US" dirty="0" smtClean="0"/>
-              <a:t>综合</a:t>
-            </a:r>
-            <a:r>
-              <a:rPr lang="zh-CN" altLang="en-US" dirty="0"/>
-              <a:t>数据接收，压缩，导入与实时查询的一体化数据</a:t>
-            </a:r>
-            <a:r>
-              <a:rPr lang="zh-CN" altLang="en-US" dirty="0" smtClean="0"/>
-              <a:t>平台</a:t>
-            </a:r>
-            <a:endParaRPr lang="en-US" altLang="zh-CN" dirty="0"/>
+              <a:rPr lang="en-US" altLang="zh-CN" dirty="0" smtClean="0"/>
+              <a:t>Topic &amp; Partition</a:t>
+            </a:r>
+            <a:endParaRPr lang="zh-CN" altLang="en-US" dirty="0"/>
           </a:p>
         </p:txBody>
       </p:sp>
     </p:spTree>
     <p:extLst>
       <p:ext uri="{BB962C8B-B14F-4D97-AF65-F5344CB8AC3E}">
-        <p14:creationId xmlns:p14="http://schemas.microsoft.com/office/powerpoint/2010/main" val="3091714955"/>
+        <p14:creationId xmlns:p14="http://schemas.microsoft.com/office/powerpoint/2010/main" val="700060262"/>
       </p:ext>
     </p:extLst>
   </p:cSld>
